--- a/doc/ppt/chenyongpeng.pptx
+++ b/doc/ppt/chenyongpeng.pptx
@@ -10,9 +10,11 @@
     <p:sldId id="258" r:id="rId4"/>
     <p:sldId id="259" r:id="rId5"/>
     <p:sldId id="262" r:id="rId6"/>
-    <p:sldId id="260" r:id="rId7"/>
-    <p:sldId id="261" r:id="rId8"/>
-    <p:sldId id="263" r:id="rId9"/>
+    <p:sldId id="265" r:id="rId7"/>
+    <p:sldId id="260" r:id="rId8"/>
+    <p:sldId id="261" r:id="rId9"/>
+    <p:sldId id="263" r:id="rId10"/>
+    <p:sldId id="266" r:id="rId11"/>
   </p:sldIdLst>
   <p:sldSz cx="12192000" cy="6858000"/>
   <p:notesSz cx="6858000" cy="9144000"/>
@@ -250,7 +252,7 @@
           <a:p>
             <a:fld id="{C3477EB2-7A69-EC47-8E26-FE8360A1C8A6}" type="datetimeFigureOut">
               <a:rPr kumimoji="1" lang="zh-CN" altLang="en-US" smtClean="0"/>
-              <a:t>2016/3/10</a:t>
+              <a:t>2016/3/13</a:t>
             </a:fld>
             <a:endParaRPr kumimoji="1" lang="zh-CN" altLang="en-US"/>
           </a:p>
@@ -420,7 +422,7 @@
           <a:p>
             <a:fld id="{C3477EB2-7A69-EC47-8E26-FE8360A1C8A6}" type="datetimeFigureOut">
               <a:rPr kumimoji="1" lang="zh-CN" altLang="en-US" smtClean="0"/>
-              <a:t>2016/3/10</a:t>
+              <a:t>2016/3/13</a:t>
             </a:fld>
             <a:endParaRPr kumimoji="1" lang="zh-CN" altLang="en-US"/>
           </a:p>
@@ -600,7 +602,7 @@
           <a:p>
             <a:fld id="{C3477EB2-7A69-EC47-8E26-FE8360A1C8A6}" type="datetimeFigureOut">
               <a:rPr kumimoji="1" lang="zh-CN" altLang="en-US" smtClean="0"/>
-              <a:t>2016/3/10</a:t>
+              <a:t>2016/3/13</a:t>
             </a:fld>
             <a:endParaRPr kumimoji="1" lang="zh-CN" altLang="en-US"/>
           </a:p>
@@ -770,7 +772,7 @@
           <a:p>
             <a:fld id="{C3477EB2-7A69-EC47-8E26-FE8360A1C8A6}" type="datetimeFigureOut">
               <a:rPr kumimoji="1" lang="zh-CN" altLang="en-US" smtClean="0"/>
-              <a:t>2016/3/10</a:t>
+              <a:t>2016/3/13</a:t>
             </a:fld>
             <a:endParaRPr kumimoji="1" lang="zh-CN" altLang="en-US"/>
           </a:p>
@@ -1016,7 +1018,7 @@
           <a:p>
             <a:fld id="{C3477EB2-7A69-EC47-8E26-FE8360A1C8A6}" type="datetimeFigureOut">
               <a:rPr kumimoji="1" lang="zh-CN" altLang="en-US" smtClean="0"/>
-              <a:t>2016/3/10</a:t>
+              <a:t>2016/3/13</a:t>
             </a:fld>
             <a:endParaRPr kumimoji="1" lang="zh-CN" altLang="en-US"/>
           </a:p>
@@ -1248,7 +1250,7 @@
           <a:p>
             <a:fld id="{C3477EB2-7A69-EC47-8E26-FE8360A1C8A6}" type="datetimeFigureOut">
               <a:rPr kumimoji="1" lang="zh-CN" altLang="en-US" smtClean="0"/>
-              <a:t>2016/3/10</a:t>
+              <a:t>2016/3/13</a:t>
             </a:fld>
             <a:endParaRPr kumimoji="1" lang="zh-CN" altLang="en-US"/>
           </a:p>
@@ -1615,7 +1617,7 @@
           <a:p>
             <a:fld id="{C3477EB2-7A69-EC47-8E26-FE8360A1C8A6}" type="datetimeFigureOut">
               <a:rPr kumimoji="1" lang="zh-CN" altLang="en-US" smtClean="0"/>
-              <a:t>2016/3/10</a:t>
+              <a:t>2016/3/13</a:t>
             </a:fld>
             <a:endParaRPr kumimoji="1" lang="zh-CN" altLang="en-US"/>
           </a:p>
@@ -1733,7 +1735,7 @@
           <a:p>
             <a:fld id="{C3477EB2-7A69-EC47-8E26-FE8360A1C8A6}" type="datetimeFigureOut">
               <a:rPr kumimoji="1" lang="zh-CN" altLang="en-US" smtClean="0"/>
-              <a:t>2016/3/10</a:t>
+              <a:t>2016/3/13</a:t>
             </a:fld>
             <a:endParaRPr kumimoji="1" lang="zh-CN" altLang="en-US"/>
           </a:p>
@@ -1828,7 +1830,7 @@
           <a:p>
             <a:fld id="{C3477EB2-7A69-EC47-8E26-FE8360A1C8A6}" type="datetimeFigureOut">
               <a:rPr kumimoji="1" lang="zh-CN" altLang="en-US" smtClean="0"/>
-              <a:t>2016/3/10</a:t>
+              <a:t>2016/3/13</a:t>
             </a:fld>
             <a:endParaRPr kumimoji="1" lang="zh-CN" altLang="en-US"/>
           </a:p>
@@ -2105,7 +2107,7 @@
           <a:p>
             <a:fld id="{C3477EB2-7A69-EC47-8E26-FE8360A1C8A6}" type="datetimeFigureOut">
               <a:rPr kumimoji="1" lang="zh-CN" altLang="en-US" smtClean="0"/>
-              <a:t>2016/3/10</a:t>
+              <a:t>2016/3/13</a:t>
             </a:fld>
             <a:endParaRPr kumimoji="1" lang="zh-CN" altLang="en-US"/>
           </a:p>
@@ -2358,7 +2360,7 @@
           <a:p>
             <a:fld id="{C3477EB2-7A69-EC47-8E26-FE8360A1C8A6}" type="datetimeFigureOut">
               <a:rPr kumimoji="1" lang="zh-CN" altLang="en-US" smtClean="0"/>
-              <a:t>2016/3/10</a:t>
+              <a:t>2016/3/13</a:t>
             </a:fld>
             <a:endParaRPr kumimoji="1" lang="zh-CN" altLang="en-US"/>
           </a:p>
@@ -2571,7 +2573,7 @@
           <a:p>
             <a:fld id="{C3477EB2-7A69-EC47-8E26-FE8360A1C8A6}" type="datetimeFigureOut">
               <a:rPr kumimoji="1" lang="zh-CN" altLang="en-US" smtClean="0"/>
-              <a:t>2016/3/10</a:t>
+              <a:t>2016/3/13</a:t>
             </a:fld>
             <a:endParaRPr kumimoji="1" lang="zh-CN" altLang="en-US"/>
           </a:p>
@@ -3022,7 +3024,7 @@
           <a:p>
             <a:fld id="{D8309854-A92A-1749-9722-C3A7F69F0164}" type="datetime3">
               <a:rPr kumimoji="1" lang="en-US" altLang="zh-CN"/>
-              <a:t>10 March 2016</a:t>
+              <a:t>13 March 2016</a:t>
             </a:fld>
             <a:endParaRPr kumimoji="1" lang="zh-CN" altLang="en-US" dirty="0"/>
           </a:p>
@@ -3032,6 +3034,107 @@
     <p:extLst>
       <p:ext uri="{BB962C8B-B14F-4D97-AF65-F5344CB8AC3E}">
         <p14:creationId xmlns:p14="http://schemas.microsoft.com/office/powerpoint/2010/main" val="424238335"/>
+      </p:ext>
+    </p:extLst>
+  </p:cSld>
+  <p:clrMapOvr>
+    <a:masterClrMapping/>
+  </p:clrMapOvr>
+</p:sld>
+</file>
+
+<file path=ppt/slides/slide10.xml><?xml version="1.0" encoding="utf-8"?>
+<p:sld xmlns:a="http://schemas.openxmlformats.org/drawingml/2006/main" xmlns:r="http://schemas.openxmlformats.org/officeDocument/2006/relationships" xmlns:p="http://schemas.openxmlformats.org/presentationml/2006/main">
+  <p:cSld>
+    <p:spTree>
+      <p:nvGrpSpPr>
+        <p:cNvPr id="1" name=""/>
+        <p:cNvGrpSpPr/>
+        <p:nvPr/>
+      </p:nvGrpSpPr>
+      <p:grpSpPr>
+        <a:xfrm>
+          <a:off x="0" y="0"/>
+          <a:ext cx="0" cy="0"/>
+          <a:chOff x="0" y="0"/>
+          <a:chExt cx="0" cy="0"/>
+        </a:xfrm>
+      </p:grpSpPr>
+      <p:sp>
+        <p:nvSpPr>
+          <p:cNvPr id="2" name="标题 1"/>
+          <p:cNvSpPr>
+            <a:spLocks noGrp="1"/>
+          </p:cNvSpPr>
+          <p:nvPr>
+            <p:ph type="title"/>
+          </p:nvPr>
+        </p:nvSpPr>
+        <p:spPr/>
+        <p:txBody>
+          <a:bodyPr/>
+          <a:lstStyle/>
+          <a:p>
+            <a:r>
+              <a:rPr lang="zh-CN" altLang="en-US" dirty="0" smtClean="0"/>
+              <a:t>标签管理</a:t>
+            </a:r>
+            <a:endParaRPr lang="zh-CN" altLang="en-US" dirty="0"/>
+          </a:p>
+        </p:txBody>
+      </p:sp>
+      <p:sp>
+        <p:nvSpPr>
+          <p:cNvPr id="3" name="内容占位符 2"/>
+          <p:cNvSpPr>
+            <a:spLocks noGrp="1"/>
+          </p:cNvSpPr>
+          <p:nvPr>
+            <p:ph idx="1"/>
+          </p:nvPr>
+        </p:nvSpPr>
+        <p:spPr>
+          <a:xfrm>
+            <a:off x="618067" y="2299758"/>
+            <a:ext cx="10515600" cy="4351338"/>
+          </a:xfrm>
+        </p:spPr>
+        <p:txBody>
+          <a:bodyPr/>
+          <a:lstStyle/>
+          <a:p>
+            <a:r>
+              <a:rPr lang="zh-CN" altLang="en-US" sz="3200" dirty="0"/>
+              <a:t>发布一个版本时，我们通常先在版本库中打一个标签，这样，就唯一确定了打标签时刻的版本。将来无论什么时候，取某个标签的版本，就是把那个打标签的时刻的历史版本取出来。所以，标签也是版本库的一个快照。</a:t>
+            </a:r>
+          </a:p>
+          <a:p>
+            <a:r>
+              <a:rPr lang="en-US" altLang="zh-CN" sz="3200" dirty="0" err="1"/>
+              <a:t>Git</a:t>
+            </a:r>
+            <a:r>
+              <a:rPr lang="zh-CN" altLang="en-US" sz="3200" dirty="0"/>
+              <a:t>的标签虽然是版本库的快照，但其实它就是指向某个</a:t>
+            </a:r>
+            <a:r>
+              <a:rPr lang="en-US" altLang="zh-CN" sz="3200" dirty="0"/>
+              <a:t>commit</a:t>
+            </a:r>
+            <a:r>
+              <a:rPr lang="zh-CN" altLang="en-US" sz="3200" dirty="0"/>
+              <a:t>的指针（跟分支很像对不对？但是分支可以移动，标签不能移动），所以，创建和删除标签都是瞬间完成的。</a:t>
+            </a:r>
+          </a:p>
+          <a:p>
+            <a:endParaRPr lang="zh-CN" altLang="en-US" dirty="0"/>
+          </a:p>
+        </p:txBody>
+      </p:sp>
+    </p:spTree>
+    <p:extLst>
+      <p:ext uri="{BB962C8B-B14F-4D97-AF65-F5344CB8AC3E}">
+        <p14:creationId xmlns:p14="http://schemas.microsoft.com/office/powerpoint/2010/main" val="2614940943"/>
       </p:ext>
     </p:extLst>
   </p:cSld>
@@ -3172,26 +3275,381 @@
       </p:sp>
       <p:sp>
         <p:nvSpPr>
-          <p:cNvPr id="5" name="副标题 4"/>
-          <p:cNvSpPr>
-            <a:spLocks noGrp="1"/>
+          <p:cNvPr id="3" name="Rectangle 1"/>
+          <p:cNvSpPr>
+            <a:spLocks noGrp="1" noChangeArrowheads="1"/>
           </p:cNvSpPr>
           <p:nvPr>
             <p:ph type="subTitle" idx="1"/>
           </p:nvPr>
         </p:nvSpPr>
-        <p:spPr/>
-        <p:txBody>
-          <a:bodyPr/>
-          <a:lstStyle/>
-          <a:p>
-            <a:endParaRPr lang="zh-CN" altLang="en-US"/>
+        <p:spPr bwMode="auto">
+          <a:xfrm>
+            <a:off x="373626" y="1748867"/>
+            <a:ext cx="11310374" cy="2308324"/>
+          </a:xfrm>
+          <a:prstGeom prst="rect">
+            <a:avLst/>
+          </a:prstGeom>
+          <a:solidFill>
+            <a:srgbClr val="FAFAFA"/>
+          </a:solidFill>
+          <a:ln>
+            <a:noFill/>
+          </a:ln>
+          <a:effectLst/>
+          <a:extLst>
+            <a:ext uri="{91240B29-F687-4F45-9708-019B960494DF}">
+              <a14:hiddenLine xmlns:a14="http://schemas.microsoft.com/office/drawing/2010/main" w="9525">
+                <a:solidFill>
+                  <a:schemeClr val="tx1"/>
+                </a:solidFill>
+                <a:miter lim="800000"/>
+                <a:headEnd/>
+                <a:tailEnd/>
+              </a14:hiddenLine>
+            </a:ext>
+            <a:ext uri="{AF507438-7753-43E0-B8FC-AC1667EBCBE1}">
+              <a14:hiddenEffects xmlns:a14="http://schemas.microsoft.com/office/drawing/2010/main">
+                <a:effectLst>
+                  <a:outerShdw dist="35921" dir="2700000" algn="ctr" rotWithShape="0">
+                    <a:schemeClr val="bg2"/>
+                  </a:outerShdw>
+                </a:effectLst>
+              </a14:hiddenEffects>
+            </a:ext>
+          </a:extLst>
+        </p:spPr>
+        <p:txBody>
+          <a:bodyPr vert="horz" wrap="square" lIns="91440" tIns="45720" rIns="91440" bIns="45720" numCol="1" anchor="ctr" anchorCtr="0" compatLnSpc="1">
+            <a:prstTxWarp prst="textNoShape">
+              <a:avLst/>
+            </a:prstTxWarp>
+            <a:spAutoFit/>
+          </a:bodyPr>
+          <a:lstStyle>
+            <a:lvl1pPr eaLnBrk="0" fontAlgn="base" hangingPunct="0">
+              <a:spcBef>
+                <a:spcPct val="0"/>
+              </a:spcBef>
+              <a:spcAft>
+                <a:spcPct val="0"/>
+              </a:spcAft>
+              <a:defRPr>
+                <a:solidFill>
+                  <a:schemeClr val="tx1"/>
+                </a:solidFill>
+                <a:latin typeface="Arial" panose="020B0604020202020204" pitchFamily="34" charset="0"/>
+              </a:defRPr>
+            </a:lvl1pPr>
+            <a:lvl2pPr eaLnBrk="0" fontAlgn="base" hangingPunct="0">
+              <a:spcBef>
+                <a:spcPct val="0"/>
+              </a:spcBef>
+              <a:spcAft>
+                <a:spcPct val="0"/>
+              </a:spcAft>
+              <a:defRPr>
+                <a:solidFill>
+                  <a:schemeClr val="tx1"/>
+                </a:solidFill>
+                <a:latin typeface="Arial" panose="020B0604020202020204" pitchFamily="34" charset="0"/>
+              </a:defRPr>
+            </a:lvl2pPr>
+            <a:lvl3pPr eaLnBrk="0" fontAlgn="base" hangingPunct="0">
+              <a:spcBef>
+                <a:spcPct val="0"/>
+              </a:spcBef>
+              <a:spcAft>
+                <a:spcPct val="0"/>
+              </a:spcAft>
+              <a:defRPr>
+                <a:solidFill>
+                  <a:schemeClr val="tx1"/>
+                </a:solidFill>
+                <a:latin typeface="Arial" panose="020B0604020202020204" pitchFamily="34" charset="0"/>
+              </a:defRPr>
+            </a:lvl3pPr>
+            <a:lvl4pPr eaLnBrk="0" fontAlgn="base" hangingPunct="0">
+              <a:spcBef>
+                <a:spcPct val="0"/>
+              </a:spcBef>
+              <a:spcAft>
+                <a:spcPct val="0"/>
+              </a:spcAft>
+              <a:defRPr>
+                <a:solidFill>
+                  <a:schemeClr val="tx1"/>
+                </a:solidFill>
+                <a:latin typeface="Arial" panose="020B0604020202020204" pitchFamily="34" charset="0"/>
+              </a:defRPr>
+            </a:lvl4pPr>
+            <a:lvl5pPr eaLnBrk="0" fontAlgn="base" hangingPunct="0">
+              <a:spcBef>
+                <a:spcPct val="0"/>
+              </a:spcBef>
+              <a:spcAft>
+                <a:spcPct val="0"/>
+              </a:spcAft>
+              <a:defRPr>
+                <a:solidFill>
+                  <a:schemeClr val="tx1"/>
+                </a:solidFill>
+                <a:latin typeface="Arial" panose="020B0604020202020204" pitchFamily="34" charset="0"/>
+              </a:defRPr>
+            </a:lvl5pPr>
+            <a:lvl6pPr eaLnBrk="0" fontAlgn="base" hangingPunct="0">
+              <a:spcBef>
+                <a:spcPct val="0"/>
+              </a:spcBef>
+              <a:spcAft>
+                <a:spcPct val="0"/>
+              </a:spcAft>
+              <a:defRPr>
+                <a:solidFill>
+                  <a:schemeClr val="tx1"/>
+                </a:solidFill>
+                <a:latin typeface="Arial" panose="020B0604020202020204" pitchFamily="34" charset="0"/>
+              </a:defRPr>
+            </a:lvl6pPr>
+            <a:lvl7pPr eaLnBrk="0" fontAlgn="base" hangingPunct="0">
+              <a:spcBef>
+                <a:spcPct val="0"/>
+              </a:spcBef>
+              <a:spcAft>
+                <a:spcPct val="0"/>
+              </a:spcAft>
+              <a:defRPr>
+                <a:solidFill>
+                  <a:schemeClr val="tx1"/>
+                </a:solidFill>
+                <a:latin typeface="Arial" panose="020B0604020202020204" pitchFamily="34" charset="0"/>
+              </a:defRPr>
+            </a:lvl7pPr>
+            <a:lvl8pPr eaLnBrk="0" fontAlgn="base" hangingPunct="0">
+              <a:spcBef>
+                <a:spcPct val="0"/>
+              </a:spcBef>
+              <a:spcAft>
+                <a:spcPct val="0"/>
+              </a:spcAft>
+              <a:defRPr>
+                <a:solidFill>
+                  <a:schemeClr val="tx1"/>
+                </a:solidFill>
+                <a:latin typeface="Arial" panose="020B0604020202020204" pitchFamily="34" charset="0"/>
+              </a:defRPr>
+            </a:lvl8pPr>
+            <a:lvl9pPr eaLnBrk="0" fontAlgn="base" hangingPunct="0">
+              <a:spcBef>
+                <a:spcPct val="0"/>
+              </a:spcBef>
+              <a:spcAft>
+                <a:spcPct val="0"/>
+              </a:spcAft>
+              <a:defRPr>
+                <a:solidFill>
+                  <a:schemeClr val="tx1"/>
+                </a:solidFill>
+                <a:latin typeface="Arial" panose="020B0604020202020204" pitchFamily="34" charset="0"/>
+              </a:defRPr>
+            </a:lvl9pPr>
+          </a:lstStyle>
+          <a:p>
+            <a:pPr marL="0" marR="0" lvl="0" indent="0" algn="l" defTabSz="914400" rtl="0" eaLnBrk="0" fontAlgn="base" latinLnBrk="0" hangingPunct="0">
+              <a:lnSpc>
+                <a:spcPct val="100000"/>
+              </a:lnSpc>
+              <a:spcBef>
+                <a:spcPct val="0"/>
+              </a:spcBef>
+              <a:spcAft>
+                <a:spcPct val="0"/>
+              </a:spcAft>
+              <a:buClrTx/>
+              <a:buSzTx/>
+              <a:buFontTx/>
+              <a:buNone/>
+              <a:tabLst/>
+            </a:pPr>
+            <a:r>
+              <a:rPr kumimoji="0" lang="zh-CN" altLang="zh-CN" sz="3600" b="0" i="0" u="none" strike="noStrike" cap="none" normalizeH="0" baseline="0" dirty="0" smtClean="0">
+                <a:ln>
+                  <a:noFill/>
+                </a:ln>
+                <a:solidFill>
+                  <a:srgbClr val="666666"/>
+                </a:solidFill>
+                <a:effectLst/>
+                <a:latin typeface="+mn-ea"/>
+              </a:rPr>
+              <a:t>当你从远程仓库克隆时，实际上Git自动把本地的</a:t>
+            </a:r>
+            <a:r>
+              <a:rPr kumimoji="0" lang="zh-CN" altLang="zh-CN" sz="3600" b="0" i="0" u="none" strike="noStrike" cap="none" normalizeH="0" baseline="0" dirty="0" smtClean="0">
+                <a:ln>
+                  <a:noFill/>
+                </a:ln>
+                <a:solidFill>
+                  <a:srgbClr val="DD0055"/>
+                </a:solidFill>
+                <a:effectLst/>
+                <a:latin typeface="+mn-ea"/>
+                <a:cs typeface="Consolas" panose="020B0609020204030204" pitchFamily="49" charset="0"/>
+              </a:rPr>
+              <a:t>master</a:t>
+            </a:r>
+            <a:r>
+              <a:rPr kumimoji="0" lang="zh-CN" altLang="zh-CN" sz="3600" b="0" i="0" u="none" strike="noStrike" cap="none" normalizeH="0" baseline="0" dirty="0" smtClean="0">
+                <a:ln>
+                  <a:noFill/>
+                </a:ln>
+                <a:solidFill>
+                  <a:srgbClr val="666666"/>
+                </a:solidFill>
+                <a:effectLst/>
+                <a:latin typeface="+mn-ea"/>
+              </a:rPr>
+              <a:t>分支和远程的</a:t>
+            </a:r>
+            <a:r>
+              <a:rPr kumimoji="0" lang="zh-CN" altLang="zh-CN" sz="3600" b="0" i="0" u="none" strike="noStrike" cap="none" normalizeH="0" baseline="0" dirty="0" smtClean="0">
+                <a:ln>
+                  <a:noFill/>
+                </a:ln>
+                <a:solidFill>
+                  <a:srgbClr val="DD0055"/>
+                </a:solidFill>
+                <a:effectLst/>
+                <a:latin typeface="+mn-ea"/>
+                <a:cs typeface="Consolas" panose="020B0609020204030204" pitchFamily="49" charset="0"/>
+              </a:rPr>
+              <a:t>master</a:t>
+            </a:r>
+            <a:r>
+              <a:rPr kumimoji="0" lang="zh-CN" altLang="zh-CN" sz="3600" b="0" i="0" u="none" strike="noStrike" cap="none" normalizeH="0" baseline="0" dirty="0" smtClean="0">
+                <a:ln>
+                  <a:noFill/>
+                </a:ln>
+                <a:solidFill>
+                  <a:srgbClr val="666666"/>
+                </a:solidFill>
+                <a:effectLst/>
+                <a:latin typeface="+mn-ea"/>
+              </a:rPr>
+              <a:t>分支对应起来了，并且，远程仓库的默认名称是</a:t>
+            </a:r>
+            <a:r>
+              <a:rPr kumimoji="0" lang="zh-CN" altLang="zh-CN" sz="3600" b="0" i="0" u="none" strike="noStrike" cap="none" normalizeH="0" baseline="0" dirty="0" smtClean="0">
+                <a:ln>
+                  <a:noFill/>
+                </a:ln>
+                <a:solidFill>
+                  <a:srgbClr val="DD0055"/>
+                </a:solidFill>
+                <a:effectLst/>
+                <a:latin typeface="+mn-ea"/>
+                <a:cs typeface="Consolas" panose="020B0609020204030204" pitchFamily="49" charset="0"/>
+              </a:rPr>
+              <a:t>origin</a:t>
+            </a:r>
+            <a:r>
+              <a:rPr kumimoji="0" lang="zh-CN" altLang="zh-CN" sz="3600" b="0" i="0" u="none" strike="noStrike" cap="none" normalizeH="0" baseline="0" dirty="0" smtClean="0">
+                <a:ln>
+                  <a:noFill/>
+                </a:ln>
+                <a:solidFill>
+                  <a:srgbClr val="666666"/>
+                </a:solidFill>
+                <a:effectLst/>
+                <a:latin typeface="+mn-ea"/>
+              </a:rPr>
+              <a:t>。</a:t>
+            </a:r>
+            <a:endParaRPr kumimoji="0" lang="zh-CN" altLang="zh-CN" sz="3600" b="0" i="0" u="none" strike="noStrike" cap="none" normalizeH="0" baseline="0" dirty="0" smtClean="0">
+              <a:ln>
+                <a:noFill/>
+              </a:ln>
+              <a:solidFill>
+                <a:schemeClr val="tx1"/>
+              </a:solidFill>
+              <a:effectLst/>
+              <a:latin typeface="+mn-ea"/>
+            </a:endParaRPr>
+          </a:p>
+          <a:p>
+            <a:pPr marL="0" marR="0" lvl="0" indent="0" algn="l" defTabSz="914400" rtl="0" eaLnBrk="0" fontAlgn="base" latinLnBrk="0" hangingPunct="0">
+              <a:lnSpc>
+                <a:spcPct val="100000"/>
+              </a:lnSpc>
+              <a:spcBef>
+                <a:spcPct val="0"/>
+              </a:spcBef>
+              <a:spcAft>
+                <a:spcPct val="0"/>
+              </a:spcAft>
+              <a:buClrTx/>
+              <a:buSzTx/>
+              <a:buFontTx/>
+              <a:buNone/>
+              <a:tabLst/>
+            </a:pPr>
+            <a:r>
+              <a:rPr kumimoji="0" lang="zh-CN" altLang="zh-CN" sz="3600" b="0" i="0" u="none" strike="noStrike" cap="none" normalizeH="0" baseline="0" dirty="0" smtClean="0">
+                <a:ln>
+                  <a:noFill/>
+                </a:ln>
+                <a:solidFill>
+                  <a:srgbClr val="666666"/>
+                </a:solidFill>
+                <a:effectLst/>
+                <a:latin typeface="+mn-ea"/>
+              </a:rPr>
+              <a:t>要查看远程库的信息，用</a:t>
+            </a:r>
+            <a:r>
+              <a:rPr kumimoji="0" lang="zh-CN" altLang="zh-CN" sz="3600" b="0" i="0" u="none" strike="noStrike" cap="none" normalizeH="0" baseline="0" dirty="0" smtClean="0">
+                <a:ln>
+                  <a:noFill/>
+                </a:ln>
+                <a:solidFill>
+                  <a:srgbClr val="DD0055"/>
+                </a:solidFill>
+                <a:effectLst/>
+                <a:latin typeface="+mn-ea"/>
+                <a:cs typeface="Consolas" panose="020B0609020204030204" pitchFamily="49" charset="0"/>
+              </a:rPr>
+              <a:t>git remote</a:t>
+            </a:r>
+            <a:r>
+              <a:rPr kumimoji="0" lang="zh-CN" altLang="zh-CN" sz="3600" b="0" i="0" u="none" strike="noStrike" cap="none" normalizeH="0" baseline="0" dirty="0" smtClean="0">
+                <a:ln>
+                  <a:noFill/>
+                </a:ln>
+                <a:solidFill>
+                  <a:srgbClr val="666666"/>
+                </a:solidFill>
+                <a:effectLst/>
+                <a:latin typeface="+mn-ea"/>
+              </a:rPr>
+              <a:t>：</a:t>
+            </a:r>
+            <a:endParaRPr kumimoji="0" lang="zh-CN" altLang="zh-CN" sz="3600" b="0" i="0" u="none" strike="noStrike" cap="none" normalizeH="0" baseline="0" dirty="0" smtClean="0">
+              <a:ln>
+                <a:noFill/>
+              </a:ln>
+              <a:solidFill>
+                <a:schemeClr val="tx1"/>
+              </a:solidFill>
+              <a:effectLst/>
+              <a:latin typeface="+mn-ea"/>
+            </a:endParaRPr>
           </a:p>
         </p:txBody>
       </p:sp>
       <p:pic>
         <p:nvPicPr>
-          <p:cNvPr id="6" name="图片 5"/>
+          <p:cNvPr id="4" name="图片 3"/>
           <p:cNvPicPr>
             <a:picLocks noChangeAspect="1"/>
           </p:cNvPicPr>
@@ -3205,8 +3663,8 @@
         </p:blipFill>
         <p:spPr>
           <a:xfrm>
-            <a:off x="373626" y="1371528"/>
-            <a:ext cx="11032789" cy="4810908"/>
+            <a:off x="648170" y="4874154"/>
+            <a:ext cx="10291294" cy="917046"/>
           </a:xfrm>
           <a:prstGeom prst="rect">
             <a:avLst/>
@@ -3243,9 +3701,279 @@
           <a:chExt cx="0" cy="0"/>
         </a:xfrm>
       </p:grpSpPr>
+      <p:sp>
+        <p:nvSpPr>
+          <p:cNvPr id="4" name="Rectangle 1"/>
+          <p:cNvSpPr>
+            <a:spLocks noGrp="1" noChangeArrowheads="1"/>
+          </p:cNvSpPr>
+          <p:nvPr>
+            <p:ph type="ctrTitle"/>
+          </p:nvPr>
+        </p:nvSpPr>
+        <p:spPr bwMode="auto">
+          <a:xfrm>
+            <a:off x="731698" y="384331"/>
+            <a:ext cx="9315371" cy="646331"/>
+          </a:xfrm>
+          <a:prstGeom prst="rect">
+            <a:avLst/>
+          </a:prstGeom>
+          <a:solidFill>
+            <a:srgbClr val="FAFAFA"/>
+          </a:solidFill>
+          <a:ln>
+            <a:noFill/>
+          </a:ln>
+          <a:effectLst/>
+          <a:extLst>
+            <a:ext uri="{91240B29-F687-4F45-9708-019B960494DF}">
+              <a14:hiddenLine xmlns:a14="http://schemas.microsoft.com/office/drawing/2010/main" w="9525">
+                <a:solidFill>
+                  <a:schemeClr val="tx1"/>
+                </a:solidFill>
+                <a:miter lim="800000"/>
+                <a:headEnd/>
+                <a:tailEnd/>
+              </a14:hiddenLine>
+            </a:ext>
+            <a:ext uri="{AF507438-7753-43E0-B8FC-AC1667EBCBE1}">
+              <a14:hiddenEffects xmlns:a14="http://schemas.microsoft.com/office/drawing/2010/main">
+                <a:effectLst>
+                  <a:outerShdw dist="35921" dir="2700000" algn="ctr" rotWithShape="0">
+                    <a:schemeClr val="bg2"/>
+                  </a:outerShdw>
+                </a:effectLst>
+              </a14:hiddenEffects>
+            </a:ext>
+          </a:extLst>
+        </p:spPr>
+        <p:txBody>
+          <a:bodyPr vert="horz" wrap="none" lIns="91440" tIns="45720" rIns="91440" bIns="45720" numCol="1" anchor="ctr" anchorCtr="0" compatLnSpc="1">
+            <a:prstTxWarp prst="textNoShape">
+              <a:avLst/>
+            </a:prstTxWarp>
+            <a:spAutoFit/>
+          </a:bodyPr>
+          <a:lstStyle>
+            <a:lvl1pPr eaLnBrk="0" fontAlgn="base" hangingPunct="0">
+              <a:spcBef>
+                <a:spcPct val="0"/>
+              </a:spcBef>
+              <a:spcAft>
+                <a:spcPct val="0"/>
+              </a:spcAft>
+              <a:defRPr>
+                <a:solidFill>
+                  <a:schemeClr val="tx1"/>
+                </a:solidFill>
+                <a:latin typeface="Arial" panose="020B0604020202020204" pitchFamily="34" charset="0"/>
+              </a:defRPr>
+            </a:lvl1pPr>
+            <a:lvl2pPr eaLnBrk="0" fontAlgn="base" hangingPunct="0">
+              <a:spcBef>
+                <a:spcPct val="0"/>
+              </a:spcBef>
+              <a:spcAft>
+                <a:spcPct val="0"/>
+              </a:spcAft>
+              <a:defRPr>
+                <a:solidFill>
+                  <a:schemeClr val="tx1"/>
+                </a:solidFill>
+                <a:latin typeface="Arial" panose="020B0604020202020204" pitchFamily="34" charset="0"/>
+              </a:defRPr>
+            </a:lvl2pPr>
+            <a:lvl3pPr eaLnBrk="0" fontAlgn="base" hangingPunct="0">
+              <a:spcBef>
+                <a:spcPct val="0"/>
+              </a:spcBef>
+              <a:spcAft>
+                <a:spcPct val="0"/>
+              </a:spcAft>
+              <a:defRPr>
+                <a:solidFill>
+                  <a:schemeClr val="tx1"/>
+                </a:solidFill>
+                <a:latin typeface="Arial" panose="020B0604020202020204" pitchFamily="34" charset="0"/>
+              </a:defRPr>
+            </a:lvl3pPr>
+            <a:lvl4pPr eaLnBrk="0" fontAlgn="base" hangingPunct="0">
+              <a:spcBef>
+                <a:spcPct val="0"/>
+              </a:spcBef>
+              <a:spcAft>
+                <a:spcPct val="0"/>
+              </a:spcAft>
+              <a:defRPr>
+                <a:solidFill>
+                  <a:schemeClr val="tx1"/>
+                </a:solidFill>
+                <a:latin typeface="Arial" panose="020B0604020202020204" pitchFamily="34" charset="0"/>
+              </a:defRPr>
+            </a:lvl4pPr>
+            <a:lvl5pPr eaLnBrk="0" fontAlgn="base" hangingPunct="0">
+              <a:spcBef>
+                <a:spcPct val="0"/>
+              </a:spcBef>
+              <a:spcAft>
+                <a:spcPct val="0"/>
+              </a:spcAft>
+              <a:defRPr>
+                <a:solidFill>
+                  <a:schemeClr val="tx1"/>
+                </a:solidFill>
+                <a:latin typeface="Arial" panose="020B0604020202020204" pitchFamily="34" charset="0"/>
+              </a:defRPr>
+            </a:lvl5pPr>
+            <a:lvl6pPr eaLnBrk="0" fontAlgn="base" hangingPunct="0">
+              <a:spcBef>
+                <a:spcPct val="0"/>
+              </a:spcBef>
+              <a:spcAft>
+                <a:spcPct val="0"/>
+              </a:spcAft>
+              <a:defRPr>
+                <a:solidFill>
+                  <a:schemeClr val="tx1"/>
+                </a:solidFill>
+                <a:latin typeface="Arial" panose="020B0604020202020204" pitchFamily="34" charset="0"/>
+              </a:defRPr>
+            </a:lvl6pPr>
+            <a:lvl7pPr eaLnBrk="0" fontAlgn="base" hangingPunct="0">
+              <a:spcBef>
+                <a:spcPct val="0"/>
+              </a:spcBef>
+              <a:spcAft>
+                <a:spcPct val="0"/>
+              </a:spcAft>
+              <a:defRPr>
+                <a:solidFill>
+                  <a:schemeClr val="tx1"/>
+                </a:solidFill>
+                <a:latin typeface="Arial" panose="020B0604020202020204" pitchFamily="34" charset="0"/>
+              </a:defRPr>
+            </a:lvl7pPr>
+            <a:lvl8pPr eaLnBrk="0" fontAlgn="base" hangingPunct="0">
+              <a:spcBef>
+                <a:spcPct val="0"/>
+              </a:spcBef>
+              <a:spcAft>
+                <a:spcPct val="0"/>
+              </a:spcAft>
+              <a:defRPr>
+                <a:solidFill>
+                  <a:schemeClr val="tx1"/>
+                </a:solidFill>
+                <a:latin typeface="Arial" panose="020B0604020202020204" pitchFamily="34" charset="0"/>
+              </a:defRPr>
+            </a:lvl8pPr>
+            <a:lvl9pPr eaLnBrk="0" fontAlgn="base" hangingPunct="0">
+              <a:spcBef>
+                <a:spcPct val="0"/>
+              </a:spcBef>
+              <a:spcAft>
+                <a:spcPct val="0"/>
+              </a:spcAft>
+              <a:defRPr>
+                <a:solidFill>
+                  <a:schemeClr val="tx1"/>
+                </a:solidFill>
+                <a:latin typeface="Arial" panose="020B0604020202020204" pitchFamily="34" charset="0"/>
+              </a:defRPr>
+            </a:lvl9pPr>
+          </a:lstStyle>
+          <a:p>
+            <a:pPr marL="0" marR="0" lvl="0" indent="0" algn="l" defTabSz="914400" rtl="0" eaLnBrk="0" fontAlgn="base" latinLnBrk="0" hangingPunct="0">
+              <a:lnSpc>
+                <a:spcPct val="100000"/>
+              </a:lnSpc>
+              <a:spcBef>
+                <a:spcPct val="0"/>
+              </a:spcBef>
+              <a:spcAft>
+                <a:spcPct val="0"/>
+              </a:spcAft>
+              <a:buClrTx/>
+              <a:buSzTx/>
+              <a:buFontTx/>
+              <a:buNone/>
+              <a:tabLst/>
+            </a:pPr>
+            <a:r>
+              <a:rPr kumimoji="0" lang="zh-CN" altLang="zh-CN" sz="3600" b="0" i="0" u="none" strike="noStrike" cap="none" normalizeH="0" baseline="0" dirty="0" smtClean="0">
+                <a:ln>
+                  <a:noFill/>
+                </a:ln>
+                <a:solidFill>
+                  <a:srgbClr val="666666"/>
+                </a:solidFill>
+                <a:effectLst/>
+                <a:latin typeface="+mn-ea"/>
+                <a:ea typeface="+mn-ea"/>
+              </a:rPr>
+              <a:t>或者，用</a:t>
+            </a:r>
+            <a:r>
+              <a:rPr kumimoji="0" lang="zh-CN" altLang="zh-CN" sz="3600" b="0" i="0" u="none" strike="noStrike" cap="none" normalizeH="0" baseline="0" dirty="0" smtClean="0">
+                <a:ln>
+                  <a:noFill/>
+                </a:ln>
+                <a:solidFill>
+                  <a:srgbClr val="DD0055"/>
+                </a:solidFill>
+                <a:effectLst/>
+                <a:latin typeface="+mn-ea"/>
+                <a:ea typeface="+mn-ea"/>
+                <a:cs typeface="Consolas" panose="020B0609020204030204" pitchFamily="49" charset="0"/>
+              </a:rPr>
+              <a:t>git remote -v</a:t>
+            </a:r>
+            <a:r>
+              <a:rPr kumimoji="0" lang="zh-CN" altLang="zh-CN" sz="3600" b="0" i="0" u="none" strike="noStrike" cap="none" normalizeH="0" baseline="0" dirty="0" smtClean="0">
+                <a:ln>
+                  <a:noFill/>
+                </a:ln>
+                <a:solidFill>
+                  <a:srgbClr val="666666"/>
+                </a:solidFill>
+                <a:effectLst/>
+                <a:latin typeface="+mn-ea"/>
+                <a:ea typeface="+mn-ea"/>
+              </a:rPr>
+              <a:t>显示更详细的信息</a:t>
+            </a:r>
+            <a:r>
+              <a:rPr kumimoji="0" lang="zh-CN" altLang="zh-CN" sz="3600" b="0" i="0" u="none" strike="noStrike" cap="none" normalizeH="0" baseline="0" dirty="0" smtClean="0">
+                <a:ln>
+                  <a:noFill/>
+                </a:ln>
+                <a:solidFill>
+                  <a:srgbClr val="666666"/>
+                </a:solidFill>
+                <a:effectLst/>
+                <a:ea typeface="Helvetica Neue"/>
+              </a:rPr>
+              <a:t>：</a:t>
+            </a:r>
+            <a:r>
+              <a:rPr kumimoji="0" lang="zh-CN" altLang="zh-CN" sz="3600" b="0" i="0" u="none" strike="noStrike" cap="none" normalizeH="0" baseline="0" dirty="0" smtClean="0">
+                <a:ln>
+                  <a:noFill/>
+                </a:ln>
+                <a:solidFill>
+                  <a:schemeClr val="tx1"/>
+                </a:solidFill>
+                <a:effectLst/>
+              </a:rPr>
+              <a:t> </a:t>
+            </a:r>
+          </a:p>
+        </p:txBody>
+      </p:sp>
       <p:pic>
         <p:nvPicPr>
-          <p:cNvPr id="5" name="图片 4"/>
+          <p:cNvPr id="6" name="图片 5"/>
           <p:cNvPicPr>
             <a:picLocks noChangeAspect="1"/>
           </p:cNvPicPr>
@@ -3259,14 +3987,559 @@
         </p:blipFill>
         <p:spPr>
           <a:xfrm>
-            <a:off x="177421" y="2317348"/>
-            <a:ext cx="11701341" cy="2513960"/>
+            <a:off x="491067" y="1377420"/>
+            <a:ext cx="10264001" cy="1213380"/>
           </a:xfrm>
           <a:prstGeom prst="rect">
             <a:avLst/>
           </a:prstGeom>
         </p:spPr>
       </p:pic>
+      <p:sp>
+        <p:nvSpPr>
+          <p:cNvPr id="7" name="Rectangle 2"/>
+          <p:cNvSpPr>
+            <a:spLocks noGrp="1" noChangeArrowheads="1"/>
+          </p:cNvSpPr>
+          <p:nvPr>
+            <p:ph type="subTitle" idx="1"/>
+          </p:nvPr>
+        </p:nvSpPr>
+        <p:spPr bwMode="auto">
+          <a:xfrm>
+            <a:off x="491066" y="2937558"/>
+            <a:ext cx="10264001" cy="1200329"/>
+          </a:xfrm>
+          <a:prstGeom prst="rect">
+            <a:avLst/>
+          </a:prstGeom>
+          <a:solidFill>
+            <a:srgbClr val="FAFAFA"/>
+          </a:solidFill>
+          <a:ln>
+            <a:noFill/>
+          </a:ln>
+          <a:effectLst/>
+          <a:extLst>
+            <a:ext uri="{91240B29-F687-4F45-9708-019B960494DF}">
+              <a14:hiddenLine xmlns:a14="http://schemas.microsoft.com/office/drawing/2010/main" w="9525">
+                <a:solidFill>
+                  <a:schemeClr val="tx1"/>
+                </a:solidFill>
+                <a:miter lim="800000"/>
+                <a:headEnd/>
+                <a:tailEnd/>
+              </a14:hiddenLine>
+            </a:ext>
+            <a:ext uri="{AF507438-7753-43E0-B8FC-AC1667EBCBE1}">
+              <a14:hiddenEffects xmlns:a14="http://schemas.microsoft.com/office/drawing/2010/main">
+                <a:effectLst>
+                  <a:outerShdw dist="35921" dir="2700000" algn="ctr" rotWithShape="0">
+                    <a:schemeClr val="bg2"/>
+                  </a:outerShdw>
+                </a:effectLst>
+              </a14:hiddenEffects>
+            </a:ext>
+          </a:extLst>
+        </p:spPr>
+        <p:txBody>
+          <a:bodyPr vert="horz" wrap="square" lIns="91440" tIns="45720" rIns="91440" bIns="45720" numCol="1" anchor="ctr" anchorCtr="0" compatLnSpc="1">
+            <a:prstTxWarp prst="textNoShape">
+              <a:avLst/>
+            </a:prstTxWarp>
+            <a:spAutoFit/>
+          </a:bodyPr>
+          <a:lstStyle>
+            <a:lvl1pPr eaLnBrk="0" fontAlgn="base" hangingPunct="0">
+              <a:spcBef>
+                <a:spcPct val="0"/>
+              </a:spcBef>
+              <a:spcAft>
+                <a:spcPct val="0"/>
+              </a:spcAft>
+              <a:defRPr>
+                <a:solidFill>
+                  <a:schemeClr val="tx1"/>
+                </a:solidFill>
+                <a:latin typeface="Arial" panose="020B0604020202020204" pitchFamily="34" charset="0"/>
+              </a:defRPr>
+            </a:lvl1pPr>
+            <a:lvl2pPr eaLnBrk="0" fontAlgn="base" hangingPunct="0">
+              <a:spcBef>
+                <a:spcPct val="0"/>
+              </a:spcBef>
+              <a:spcAft>
+                <a:spcPct val="0"/>
+              </a:spcAft>
+              <a:defRPr>
+                <a:solidFill>
+                  <a:schemeClr val="tx1"/>
+                </a:solidFill>
+                <a:latin typeface="Arial" panose="020B0604020202020204" pitchFamily="34" charset="0"/>
+              </a:defRPr>
+            </a:lvl2pPr>
+            <a:lvl3pPr eaLnBrk="0" fontAlgn="base" hangingPunct="0">
+              <a:spcBef>
+                <a:spcPct val="0"/>
+              </a:spcBef>
+              <a:spcAft>
+                <a:spcPct val="0"/>
+              </a:spcAft>
+              <a:defRPr>
+                <a:solidFill>
+                  <a:schemeClr val="tx1"/>
+                </a:solidFill>
+                <a:latin typeface="Arial" panose="020B0604020202020204" pitchFamily="34" charset="0"/>
+              </a:defRPr>
+            </a:lvl3pPr>
+            <a:lvl4pPr eaLnBrk="0" fontAlgn="base" hangingPunct="0">
+              <a:spcBef>
+                <a:spcPct val="0"/>
+              </a:spcBef>
+              <a:spcAft>
+                <a:spcPct val="0"/>
+              </a:spcAft>
+              <a:defRPr>
+                <a:solidFill>
+                  <a:schemeClr val="tx1"/>
+                </a:solidFill>
+                <a:latin typeface="Arial" panose="020B0604020202020204" pitchFamily="34" charset="0"/>
+              </a:defRPr>
+            </a:lvl4pPr>
+            <a:lvl5pPr eaLnBrk="0" fontAlgn="base" hangingPunct="0">
+              <a:spcBef>
+                <a:spcPct val="0"/>
+              </a:spcBef>
+              <a:spcAft>
+                <a:spcPct val="0"/>
+              </a:spcAft>
+              <a:defRPr>
+                <a:solidFill>
+                  <a:schemeClr val="tx1"/>
+                </a:solidFill>
+                <a:latin typeface="Arial" panose="020B0604020202020204" pitchFamily="34" charset="0"/>
+              </a:defRPr>
+            </a:lvl5pPr>
+            <a:lvl6pPr eaLnBrk="0" fontAlgn="base" hangingPunct="0">
+              <a:spcBef>
+                <a:spcPct val="0"/>
+              </a:spcBef>
+              <a:spcAft>
+                <a:spcPct val="0"/>
+              </a:spcAft>
+              <a:defRPr>
+                <a:solidFill>
+                  <a:schemeClr val="tx1"/>
+                </a:solidFill>
+                <a:latin typeface="Arial" panose="020B0604020202020204" pitchFamily="34" charset="0"/>
+              </a:defRPr>
+            </a:lvl6pPr>
+            <a:lvl7pPr eaLnBrk="0" fontAlgn="base" hangingPunct="0">
+              <a:spcBef>
+                <a:spcPct val="0"/>
+              </a:spcBef>
+              <a:spcAft>
+                <a:spcPct val="0"/>
+              </a:spcAft>
+              <a:defRPr>
+                <a:solidFill>
+                  <a:schemeClr val="tx1"/>
+                </a:solidFill>
+                <a:latin typeface="Arial" panose="020B0604020202020204" pitchFamily="34" charset="0"/>
+              </a:defRPr>
+            </a:lvl7pPr>
+            <a:lvl8pPr eaLnBrk="0" fontAlgn="base" hangingPunct="0">
+              <a:spcBef>
+                <a:spcPct val="0"/>
+              </a:spcBef>
+              <a:spcAft>
+                <a:spcPct val="0"/>
+              </a:spcAft>
+              <a:defRPr>
+                <a:solidFill>
+                  <a:schemeClr val="tx1"/>
+                </a:solidFill>
+                <a:latin typeface="Arial" panose="020B0604020202020204" pitchFamily="34" charset="0"/>
+              </a:defRPr>
+            </a:lvl8pPr>
+            <a:lvl9pPr eaLnBrk="0" fontAlgn="base" hangingPunct="0">
+              <a:spcBef>
+                <a:spcPct val="0"/>
+              </a:spcBef>
+              <a:spcAft>
+                <a:spcPct val="0"/>
+              </a:spcAft>
+              <a:defRPr>
+                <a:solidFill>
+                  <a:schemeClr val="tx1"/>
+                </a:solidFill>
+                <a:latin typeface="Arial" panose="020B0604020202020204" pitchFamily="34" charset="0"/>
+              </a:defRPr>
+            </a:lvl9pPr>
+          </a:lstStyle>
+          <a:p>
+            <a:pPr marL="0" marR="0" lvl="0" indent="0" algn="l" defTabSz="914400" rtl="0" eaLnBrk="0" fontAlgn="base" latinLnBrk="0" hangingPunct="0">
+              <a:lnSpc>
+                <a:spcPct val="100000"/>
+              </a:lnSpc>
+              <a:spcBef>
+                <a:spcPct val="0"/>
+              </a:spcBef>
+              <a:spcAft>
+                <a:spcPct val="0"/>
+              </a:spcAft>
+              <a:buClrTx/>
+              <a:buSzTx/>
+              <a:buFontTx/>
+              <a:buNone/>
+              <a:tabLst/>
+            </a:pPr>
+            <a:r>
+              <a:rPr kumimoji="0" lang="zh-CN" altLang="zh-CN" sz="3600" b="0" i="0" u="none" strike="noStrike" cap="none" normalizeH="0" baseline="0" dirty="0" smtClean="0">
+                <a:ln>
+                  <a:noFill/>
+                </a:ln>
+                <a:solidFill>
+                  <a:srgbClr val="666666"/>
+                </a:solidFill>
+                <a:effectLst/>
+                <a:ea typeface="Helvetica Neue"/>
+              </a:rPr>
+              <a:t>上面显示了可以抓取和推送的</a:t>
+            </a:r>
+            <a:r>
+              <a:rPr kumimoji="0" lang="zh-CN" altLang="zh-CN" sz="3600" b="0" i="0" u="none" strike="noStrike" cap="none" normalizeH="0" baseline="0" dirty="0" smtClean="0">
+                <a:ln>
+                  <a:noFill/>
+                </a:ln>
+                <a:solidFill>
+                  <a:srgbClr val="DD0055"/>
+                </a:solidFill>
+                <a:effectLst/>
+                <a:latin typeface="Consolas" panose="020B0609020204030204" pitchFamily="49" charset="0"/>
+                <a:cs typeface="Consolas" panose="020B0609020204030204" pitchFamily="49" charset="0"/>
+              </a:rPr>
+              <a:t>origin</a:t>
+            </a:r>
+            <a:r>
+              <a:rPr kumimoji="0" lang="zh-CN" altLang="zh-CN" sz="3600" b="0" i="0" u="none" strike="noStrike" cap="none" normalizeH="0" baseline="0" dirty="0" smtClean="0">
+                <a:ln>
+                  <a:noFill/>
+                </a:ln>
+                <a:solidFill>
+                  <a:srgbClr val="666666"/>
+                </a:solidFill>
+                <a:effectLst/>
+                <a:ea typeface="Helvetica Neue"/>
+              </a:rPr>
+              <a:t>的地址。如果没有推送权限，就看不到push的地址。</a:t>
+            </a:r>
+            <a:r>
+              <a:rPr kumimoji="0" lang="zh-CN" altLang="zh-CN" sz="3600" b="0" i="0" u="none" strike="noStrike" cap="none" normalizeH="0" baseline="0" dirty="0" smtClean="0">
+                <a:ln>
+                  <a:noFill/>
+                </a:ln>
+                <a:solidFill>
+                  <a:schemeClr val="tx1"/>
+                </a:solidFill>
+                <a:effectLst/>
+              </a:rPr>
+              <a:t> </a:t>
+            </a:r>
+          </a:p>
+        </p:txBody>
+      </p:sp>
+      <p:sp>
+        <p:nvSpPr>
+          <p:cNvPr id="8" name="Rectangle 2"/>
+          <p:cNvSpPr txBox="1">
+            <a:spLocks noChangeArrowheads="1"/>
+          </p:cNvSpPr>
+          <p:nvPr/>
+        </p:nvSpPr>
+        <p:spPr bwMode="auto">
+          <a:xfrm>
+            <a:off x="491065" y="4202845"/>
+            <a:ext cx="10264001" cy="2086725"/>
+          </a:xfrm>
+          <a:prstGeom prst="rect">
+            <a:avLst/>
+          </a:prstGeom>
+          <a:solidFill>
+            <a:srgbClr val="FAFAFA"/>
+          </a:solidFill>
+          <a:ln>
+            <a:noFill/>
+          </a:ln>
+          <a:effectLst/>
+          <a:extLst>
+            <a:ext uri="{91240B29-F687-4F45-9708-019B960494DF}">
+              <a14:hiddenLine xmlns:a14="http://schemas.microsoft.com/office/drawing/2010/main" w="9525">
+                <a:solidFill>
+                  <a:schemeClr val="tx1"/>
+                </a:solidFill>
+                <a:miter lim="800000"/>
+                <a:headEnd/>
+                <a:tailEnd/>
+              </a14:hiddenLine>
+            </a:ext>
+            <a:ext uri="{AF507438-7753-43E0-B8FC-AC1667EBCBE1}">
+              <a14:hiddenEffects xmlns:a14="http://schemas.microsoft.com/office/drawing/2010/main">
+                <a:effectLst>
+                  <a:outerShdw dist="35921" dir="2700000" algn="ctr" rotWithShape="0">
+                    <a:schemeClr val="bg2"/>
+                  </a:outerShdw>
+                </a:effectLst>
+              </a14:hiddenEffects>
+            </a:ext>
+          </a:extLst>
+        </p:spPr>
+        <p:txBody>
+          <a:bodyPr vert="horz" wrap="square" lIns="91440" tIns="45720" rIns="91440" bIns="45720" numCol="1" rtlCol="0" anchor="ctr" anchorCtr="0" compatLnSpc="1">
+            <a:prstTxWarp prst="textNoShape">
+              <a:avLst/>
+            </a:prstTxWarp>
+            <a:spAutoFit/>
+          </a:bodyPr>
+          <a:lstStyle>
+            <a:lvl1pPr marL="0" indent="0" algn="ctr" defTabSz="914400" rtl="0" eaLnBrk="0" fontAlgn="base" latinLnBrk="0" hangingPunct="0">
+              <a:lnSpc>
+                <a:spcPct val="90000"/>
+              </a:lnSpc>
+              <a:spcBef>
+                <a:spcPct val="0"/>
+              </a:spcBef>
+              <a:spcAft>
+                <a:spcPct val="0"/>
+              </a:spcAft>
+              <a:buFont typeface="Arial"/>
+              <a:buNone/>
+              <a:defRPr sz="2400" kern="1200">
+                <a:solidFill>
+                  <a:schemeClr val="tx1"/>
+                </a:solidFill>
+                <a:latin typeface="Arial" panose="020B0604020202020204" pitchFamily="34" charset="0"/>
+                <a:ea typeface="+mn-ea"/>
+                <a:cs typeface="+mn-cs"/>
+              </a:defRPr>
+            </a:lvl1pPr>
+            <a:lvl2pPr marL="457200" indent="0" algn="ctr" defTabSz="914400" rtl="0" eaLnBrk="0" fontAlgn="base" latinLnBrk="0" hangingPunct="0">
+              <a:lnSpc>
+                <a:spcPct val="90000"/>
+              </a:lnSpc>
+              <a:spcBef>
+                <a:spcPct val="0"/>
+              </a:spcBef>
+              <a:spcAft>
+                <a:spcPct val="0"/>
+              </a:spcAft>
+              <a:buFont typeface="Arial"/>
+              <a:buNone/>
+              <a:defRPr sz="2000" kern="1200">
+                <a:solidFill>
+                  <a:schemeClr val="tx1"/>
+                </a:solidFill>
+                <a:latin typeface="Arial" panose="020B0604020202020204" pitchFamily="34" charset="0"/>
+                <a:ea typeface="+mn-ea"/>
+                <a:cs typeface="+mn-cs"/>
+              </a:defRPr>
+            </a:lvl2pPr>
+            <a:lvl3pPr marL="914400" indent="0" algn="ctr" defTabSz="914400" rtl="0" eaLnBrk="0" fontAlgn="base" latinLnBrk="0" hangingPunct="0">
+              <a:lnSpc>
+                <a:spcPct val="90000"/>
+              </a:lnSpc>
+              <a:spcBef>
+                <a:spcPct val="0"/>
+              </a:spcBef>
+              <a:spcAft>
+                <a:spcPct val="0"/>
+              </a:spcAft>
+              <a:buFont typeface="Arial"/>
+              <a:buNone/>
+              <a:defRPr sz="1800" kern="1200">
+                <a:solidFill>
+                  <a:schemeClr val="tx1"/>
+                </a:solidFill>
+                <a:latin typeface="Arial" panose="020B0604020202020204" pitchFamily="34" charset="0"/>
+                <a:ea typeface="+mn-ea"/>
+                <a:cs typeface="+mn-cs"/>
+              </a:defRPr>
+            </a:lvl3pPr>
+            <a:lvl4pPr marL="1371600" indent="0" algn="ctr" defTabSz="914400" rtl="0" eaLnBrk="0" fontAlgn="base" latinLnBrk="0" hangingPunct="0">
+              <a:lnSpc>
+                <a:spcPct val="90000"/>
+              </a:lnSpc>
+              <a:spcBef>
+                <a:spcPct val="0"/>
+              </a:spcBef>
+              <a:spcAft>
+                <a:spcPct val="0"/>
+              </a:spcAft>
+              <a:buFont typeface="Arial"/>
+              <a:buNone/>
+              <a:defRPr sz="1600" kern="1200">
+                <a:solidFill>
+                  <a:schemeClr val="tx1"/>
+                </a:solidFill>
+                <a:latin typeface="Arial" panose="020B0604020202020204" pitchFamily="34" charset="0"/>
+                <a:ea typeface="+mn-ea"/>
+                <a:cs typeface="+mn-cs"/>
+              </a:defRPr>
+            </a:lvl4pPr>
+            <a:lvl5pPr marL="1828800" indent="0" algn="ctr" defTabSz="914400" rtl="0" eaLnBrk="0" fontAlgn="base" latinLnBrk="0" hangingPunct="0">
+              <a:lnSpc>
+                <a:spcPct val="90000"/>
+              </a:lnSpc>
+              <a:spcBef>
+                <a:spcPct val="0"/>
+              </a:spcBef>
+              <a:spcAft>
+                <a:spcPct val="0"/>
+              </a:spcAft>
+              <a:buFont typeface="Arial"/>
+              <a:buNone/>
+              <a:defRPr sz="1600" kern="1200">
+                <a:solidFill>
+                  <a:schemeClr val="tx1"/>
+                </a:solidFill>
+                <a:latin typeface="Arial" panose="020B0604020202020204" pitchFamily="34" charset="0"/>
+                <a:ea typeface="+mn-ea"/>
+                <a:cs typeface="+mn-cs"/>
+              </a:defRPr>
+            </a:lvl5pPr>
+            <a:lvl6pPr marL="2286000" indent="0" algn="ctr" defTabSz="914400" rtl="0" eaLnBrk="0" fontAlgn="base" latinLnBrk="0" hangingPunct="0">
+              <a:lnSpc>
+                <a:spcPct val="90000"/>
+              </a:lnSpc>
+              <a:spcBef>
+                <a:spcPct val="0"/>
+              </a:spcBef>
+              <a:spcAft>
+                <a:spcPct val="0"/>
+              </a:spcAft>
+              <a:buFont typeface="Arial"/>
+              <a:buNone/>
+              <a:defRPr sz="1600" kern="1200">
+                <a:solidFill>
+                  <a:schemeClr val="tx1"/>
+                </a:solidFill>
+                <a:latin typeface="Arial" panose="020B0604020202020204" pitchFamily="34" charset="0"/>
+                <a:ea typeface="+mn-ea"/>
+                <a:cs typeface="+mn-cs"/>
+              </a:defRPr>
+            </a:lvl6pPr>
+            <a:lvl7pPr marL="2743200" indent="0" algn="ctr" defTabSz="914400" rtl="0" eaLnBrk="0" fontAlgn="base" latinLnBrk="0" hangingPunct="0">
+              <a:lnSpc>
+                <a:spcPct val="90000"/>
+              </a:lnSpc>
+              <a:spcBef>
+                <a:spcPct val="0"/>
+              </a:spcBef>
+              <a:spcAft>
+                <a:spcPct val="0"/>
+              </a:spcAft>
+              <a:buFont typeface="Arial"/>
+              <a:buNone/>
+              <a:defRPr sz="1600" kern="1200">
+                <a:solidFill>
+                  <a:schemeClr val="tx1"/>
+                </a:solidFill>
+                <a:latin typeface="Arial" panose="020B0604020202020204" pitchFamily="34" charset="0"/>
+                <a:ea typeface="+mn-ea"/>
+                <a:cs typeface="+mn-cs"/>
+              </a:defRPr>
+            </a:lvl7pPr>
+            <a:lvl8pPr marL="3200400" indent="0" algn="ctr" defTabSz="914400" rtl="0" eaLnBrk="0" fontAlgn="base" latinLnBrk="0" hangingPunct="0">
+              <a:lnSpc>
+                <a:spcPct val="90000"/>
+              </a:lnSpc>
+              <a:spcBef>
+                <a:spcPct val="0"/>
+              </a:spcBef>
+              <a:spcAft>
+                <a:spcPct val="0"/>
+              </a:spcAft>
+              <a:buFont typeface="Arial"/>
+              <a:buNone/>
+              <a:defRPr sz="1600" kern="1200">
+                <a:solidFill>
+                  <a:schemeClr val="tx1"/>
+                </a:solidFill>
+                <a:latin typeface="Arial" panose="020B0604020202020204" pitchFamily="34" charset="0"/>
+                <a:ea typeface="+mn-ea"/>
+                <a:cs typeface="+mn-cs"/>
+              </a:defRPr>
+            </a:lvl8pPr>
+            <a:lvl9pPr marL="3657600" indent="0" algn="ctr" defTabSz="914400" rtl="0" eaLnBrk="0" fontAlgn="base" latinLnBrk="0" hangingPunct="0">
+              <a:lnSpc>
+                <a:spcPct val="90000"/>
+              </a:lnSpc>
+              <a:spcBef>
+                <a:spcPct val="0"/>
+              </a:spcBef>
+              <a:spcAft>
+                <a:spcPct val="0"/>
+              </a:spcAft>
+              <a:buFont typeface="Arial"/>
+              <a:buNone/>
+              <a:defRPr sz="1600" kern="1200">
+                <a:solidFill>
+                  <a:schemeClr val="tx1"/>
+                </a:solidFill>
+                <a:latin typeface="Arial" panose="020B0604020202020204" pitchFamily="34" charset="0"/>
+                <a:ea typeface="+mn-ea"/>
+                <a:cs typeface="+mn-cs"/>
+              </a:defRPr>
+            </a:lvl9pPr>
+          </a:lstStyle>
+          <a:p>
+            <a:r>
+              <a:rPr lang="zh-CN" altLang="en-US" sz="3600" dirty="0">
+                <a:solidFill>
+                  <a:schemeClr val="accent5"/>
+                </a:solidFill>
+                <a:latin typeface="+mn-ea"/>
+              </a:rPr>
+              <a:t>推送分支</a:t>
+            </a:r>
+          </a:p>
+          <a:p>
+            <a:r>
+              <a:rPr lang="zh-CN" altLang="en-US" sz="3600" dirty="0">
+                <a:solidFill>
+                  <a:schemeClr val="accent3">
+                    <a:lumMod val="75000"/>
+                  </a:schemeClr>
+                </a:solidFill>
+                <a:latin typeface="+mn-ea"/>
+              </a:rPr>
+              <a:t>推送分支，就是把该分支上的所有本地提交推送到远程库。推送时，要指定本地分支，这样，</a:t>
+            </a:r>
+            <a:r>
+              <a:rPr lang="en-US" altLang="zh-CN" sz="3600" dirty="0" err="1">
+                <a:solidFill>
+                  <a:schemeClr val="accent3">
+                    <a:lumMod val="75000"/>
+                  </a:schemeClr>
+                </a:solidFill>
+                <a:latin typeface="+mn-ea"/>
+              </a:rPr>
+              <a:t>Git</a:t>
+            </a:r>
+            <a:r>
+              <a:rPr lang="zh-CN" altLang="en-US" sz="3600" dirty="0">
+                <a:solidFill>
+                  <a:schemeClr val="accent3">
+                    <a:lumMod val="75000"/>
+                  </a:schemeClr>
+                </a:solidFill>
+                <a:latin typeface="+mn-ea"/>
+              </a:rPr>
+              <a:t>就会把该分支推送到远程库对应的远程分支上：</a:t>
+            </a:r>
+          </a:p>
+        </p:txBody>
+      </p:sp>
     </p:spTree>
     <p:extLst>
       <p:ext uri="{BB962C8B-B14F-4D97-AF65-F5344CB8AC3E}">
@@ -3297,57 +4570,9 @@
           <a:chExt cx="0" cy="0"/>
         </a:xfrm>
       </p:grpSpPr>
-      <p:sp>
-        <p:nvSpPr>
-          <p:cNvPr id="2" name="标题 1"/>
-          <p:cNvSpPr>
-            <a:spLocks noGrp="1"/>
-          </p:cNvSpPr>
-          <p:nvPr>
-            <p:ph type="ctrTitle"/>
-          </p:nvPr>
-        </p:nvSpPr>
-        <p:spPr>
-          <a:xfrm>
-            <a:off x="373626" y="309716"/>
-            <a:ext cx="7590503" cy="840658"/>
-          </a:xfrm>
-        </p:spPr>
-        <p:txBody>
-          <a:bodyPr>
-            <a:normAutofit/>
-          </a:bodyPr>
-          <a:lstStyle/>
-          <a:p>
-            <a:r>
-              <a:rPr lang="zh-CN" altLang="en-US" sz="5400" dirty="0"/>
-              <a:t>推送分支</a:t>
-            </a:r>
-          </a:p>
-        </p:txBody>
-      </p:sp>
-      <p:sp>
-        <p:nvSpPr>
-          <p:cNvPr id="4" name="副标题 3"/>
-          <p:cNvSpPr>
-            <a:spLocks noGrp="1"/>
-          </p:cNvSpPr>
-          <p:nvPr>
-            <p:ph type="subTitle" idx="1"/>
-          </p:nvPr>
-        </p:nvSpPr>
-        <p:spPr/>
-        <p:txBody>
-          <a:bodyPr/>
-          <a:lstStyle/>
-          <a:p>
-            <a:endParaRPr lang="zh-CN" altLang="en-US"/>
-          </a:p>
-        </p:txBody>
-      </p:sp>
       <p:pic>
         <p:nvPicPr>
-          <p:cNvPr id="5" name="图片 4"/>
+          <p:cNvPr id="3" name="图片 2"/>
           <p:cNvPicPr>
             <a:picLocks noChangeAspect="1"/>
           </p:cNvPicPr>
@@ -3361,8 +4586,286 @@
         </p:blipFill>
         <p:spPr>
           <a:xfrm>
-            <a:off x="952678" y="1134604"/>
-            <a:ext cx="10286644" cy="5723396"/>
+            <a:off x="1038540" y="969794"/>
+            <a:ext cx="8845653" cy="2286752"/>
+          </a:xfrm>
+          <a:prstGeom prst="rect">
+            <a:avLst/>
+          </a:prstGeom>
+        </p:spPr>
+      </p:pic>
+      <p:sp>
+        <p:nvSpPr>
+          <p:cNvPr id="6" name="Rectangle 1"/>
+          <p:cNvSpPr>
+            <a:spLocks noGrp="1" noChangeArrowheads="1"/>
+          </p:cNvSpPr>
+          <p:nvPr>
+            <p:ph type="subTitle" idx="1"/>
+          </p:nvPr>
+        </p:nvSpPr>
+        <p:spPr bwMode="auto">
+          <a:xfrm>
+            <a:off x="1038540" y="3866121"/>
+            <a:ext cx="8921032" cy="646331"/>
+          </a:xfrm>
+          <a:prstGeom prst="rect">
+            <a:avLst/>
+          </a:prstGeom>
+          <a:solidFill>
+            <a:srgbClr val="FAFAFA"/>
+          </a:solidFill>
+          <a:ln>
+            <a:noFill/>
+          </a:ln>
+          <a:effectLst/>
+          <a:extLst>
+            <a:ext uri="{91240B29-F687-4F45-9708-019B960494DF}">
+              <a14:hiddenLine xmlns:a14="http://schemas.microsoft.com/office/drawing/2010/main" w="9525">
+                <a:solidFill>
+                  <a:schemeClr val="tx1"/>
+                </a:solidFill>
+                <a:miter lim="800000"/>
+                <a:headEnd/>
+                <a:tailEnd/>
+              </a14:hiddenLine>
+            </a:ext>
+            <a:ext uri="{AF507438-7753-43E0-B8FC-AC1667EBCBE1}">
+              <a14:hiddenEffects xmlns:a14="http://schemas.microsoft.com/office/drawing/2010/main">
+                <a:effectLst>
+                  <a:outerShdw dist="35921" dir="2700000" algn="ctr" rotWithShape="0">
+                    <a:schemeClr val="bg2"/>
+                  </a:outerShdw>
+                </a:effectLst>
+              </a14:hiddenEffects>
+            </a:ext>
+          </a:extLst>
+        </p:spPr>
+        <p:txBody>
+          <a:bodyPr vert="horz" wrap="none" lIns="91440" tIns="45720" rIns="91440" bIns="45720" numCol="1" anchor="ctr" anchorCtr="0" compatLnSpc="1">
+            <a:prstTxWarp prst="textNoShape">
+              <a:avLst/>
+            </a:prstTxWarp>
+            <a:spAutoFit/>
+          </a:bodyPr>
+          <a:lstStyle>
+            <a:lvl1pPr eaLnBrk="0" fontAlgn="base" hangingPunct="0">
+              <a:spcBef>
+                <a:spcPct val="0"/>
+              </a:spcBef>
+              <a:spcAft>
+                <a:spcPct val="0"/>
+              </a:spcAft>
+              <a:defRPr>
+                <a:solidFill>
+                  <a:schemeClr val="tx1"/>
+                </a:solidFill>
+                <a:latin typeface="Arial" panose="020B0604020202020204" pitchFamily="34" charset="0"/>
+              </a:defRPr>
+            </a:lvl1pPr>
+            <a:lvl2pPr eaLnBrk="0" fontAlgn="base" hangingPunct="0">
+              <a:spcBef>
+                <a:spcPct val="0"/>
+              </a:spcBef>
+              <a:spcAft>
+                <a:spcPct val="0"/>
+              </a:spcAft>
+              <a:defRPr>
+                <a:solidFill>
+                  <a:schemeClr val="tx1"/>
+                </a:solidFill>
+                <a:latin typeface="Arial" panose="020B0604020202020204" pitchFamily="34" charset="0"/>
+              </a:defRPr>
+            </a:lvl2pPr>
+            <a:lvl3pPr eaLnBrk="0" fontAlgn="base" hangingPunct="0">
+              <a:spcBef>
+                <a:spcPct val="0"/>
+              </a:spcBef>
+              <a:spcAft>
+                <a:spcPct val="0"/>
+              </a:spcAft>
+              <a:defRPr>
+                <a:solidFill>
+                  <a:schemeClr val="tx1"/>
+                </a:solidFill>
+                <a:latin typeface="Arial" panose="020B0604020202020204" pitchFamily="34" charset="0"/>
+              </a:defRPr>
+            </a:lvl3pPr>
+            <a:lvl4pPr eaLnBrk="0" fontAlgn="base" hangingPunct="0">
+              <a:spcBef>
+                <a:spcPct val="0"/>
+              </a:spcBef>
+              <a:spcAft>
+                <a:spcPct val="0"/>
+              </a:spcAft>
+              <a:defRPr>
+                <a:solidFill>
+                  <a:schemeClr val="tx1"/>
+                </a:solidFill>
+                <a:latin typeface="Arial" panose="020B0604020202020204" pitchFamily="34" charset="0"/>
+              </a:defRPr>
+            </a:lvl4pPr>
+            <a:lvl5pPr eaLnBrk="0" fontAlgn="base" hangingPunct="0">
+              <a:spcBef>
+                <a:spcPct val="0"/>
+              </a:spcBef>
+              <a:spcAft>
+                <a:spcPct val="0"/>
+              </a:spcAft>
+              <a:defRPr>
+                <a:solidFill>
+                  <a:schemeClr val="tx1"/>
+                </a:solidFill>
+                <a:latin typeface="Arial" panose="020B0604020202020204" pitchFamily="34" charset="0"/>
+              </a:defRPr>
+            </a:lvl5pPr>
+            <a:lvl6pPr eaLnBrk="0" fontAlgn="base" hangingPunct="0">
+              <a:spcBef>
+                <a:spcPct val="0"/>
+              </a:spcBef>
+              <a:spcAft>
+                <a:spcPct val="0"/>
+              </a:spcAft>
+              <a:defRPr>
+                <a:solidFill>
+                  <a:schemeClr val="tx1"/>
+                </a:solidFill>
+                <a:latin typeface="Arial" panose="020B0604020202020204" pitchFamily="34" charset="0"/>
+              </a:defRPr>
+            </a:lvl6pPr>
+            <a:lvl7pPr eaLnBrk="0" fontAlgn="base" hangingPunct="0">
+              <a:spcBef>
+                <a:spcPct val="0"/>
+              </a:spcBef>
+              <a:spcAft>
+                <a:spcPct val="0"/>
+              </a:spcAft>
+              <a:defRPr>
+                <a:solidFill>
+                  <a:schemeClr val="tx1"/>
+                </a:solidFill>
+                <a:latin typeface="Arial" panose="020B0604020202020204" pitchFamily="34" charset="0"/>
+              </a:defRPr>
+            </a:lvl7pPr>
+            <a:lvl8pPr eaLnBrk="0" fontAlgn="base" hangingPunct="0">
+              <a:spcBef>
+                <a:spcPct val="0"/>
+              </a:spcBef>
+              <a:spcAft>
+                <a:spcPct val="0"/>
+              </a:spcAft>
+              <a:defRPr>
+                <a:solidFill>
+                  <a:schemeClr val="tx1"/>
+                </a:solidFill>
+                <a:latin typeface="Arial" panose="020B0604020202020204" pitchFamily="34" charset="0"/>
+              </a:defRPr>
+            </a:lvl8pPr>
+            <a:lvl9pPr eaLnBrk="0" fontAlgn="base" hangingPunct="0">
+              <a:spcBef>
+                <a:spcPct val="0"/>
+              </a:spcBef>
+              <a:spcAft>
+                <a:spcPct val="0"/>
+              </a:spcAft>
+              <a:defRPr>
+                <a:solidFill>
+                  <a:schemeClr val="tx1"/>
+                </a:solidFill>
+                <a:latin typeface="Arial" panose="020B0604020202020204" pitchFamily="34" charset="0"/>
+              </a:defRPr>
+            </a:lvl9pPr>
+          </a:lstStyle>
+          <a:p>
+            <a:pPr marL="0" marR="0" lvl="0" indent="0" algn="l" defTabSz="914400" rtl="0" eaLnBrk="0" fontAlgn="base" latinLnBrk="0" hangingPunct="0">
+              <a:lnSpc>
+                <a:spcPct val="100000"/>
+              </a:lnSpc>
+              <a:spcBef>
+                <a:spcPct val="0"/>
+              </a:spcBef>
+              <a:spcAft>
+                <a:spcPct val="0"/>
+              </a:spcAft>
+              <a:buClrTx/>
+              <a:buSzTx/>
+              <a:buFontTx/>
+              <a:buNone/>
+              <a:tabLst/>
+            </a:pPr>
+            <a:r>
+              <a:rPr kumimoji="0" lang="zh-CN" altLang="zh-CN" sz="3600" b="0" i="0" u="none" strike="noStrike" cap="none" normalizeH="0" baseline="0" dirty="0" smtClean="0">
+                <a:ln>
+                  <a:noFill/>
+                </a:ln>
+                <a:solidFill>
+                  <a:srgbClr val="666666"/>
+                </a:solidFill>
+                <a:effectLst/>
+                <a:ea typeface="Helvetica Neue"/>
+              </a:rPr>
+              <a:t>如果要推送其他分支，比如</a:t>
+            </a:r>
+            <a:r>
+              <a:rPr kumimoji="0" lang="zh-CN" altLang="zh-CN" sz="3600" b="0" i="0" u="none" strike="noStrike" cap="none" normalizeH="0" baseline="0" dirty="0" smtClean="0">
+                <a:ln>
+                  <a:noFill/>
+                </a:ln>
+                <a:solidFill>
+                  <a:srgbClr val="DD0055"/>
+                </a:solidFill>
+                <a:effectLst/>
+                <a:latin typeface="Consolas" panose="020B0609020204030204" pitchFamily="49" charset="0"/>
+                <a:cs typeface="Consolas" panose="020B0609020204030204" pitchFamily="49" charset="0"/>
+              </a:rPr>
+              <a:t>dev</a:t>
+            </a:r>
+            <a:r>
+              <a:rPr kumimoji="0" lang="zh-CN" altLang="zh-CN" sz="3600" b="0" i="0" u="none" strike="noStrike" cap="none" normalizeH="0" baseline="0" dirty="0" smtClean="0">
+                <a:ln>
+                  <a:noFill/>
+                </a:ln>
+                <a:solidFill>
+                  <a:srgbClr val="666666"/>
+                </a:solidFill>
+                <a:effectLst/>
+                <a:ea typeface="Helvetica Neue"/>
+              </a:rPr>
+              <a:t>，就改成：</a:t>
+            </a:r>
+            <a:r>
+              <a:rPr kumimoji="0" lang="zh-CN" altLang="zh-CN" sz="3600" b="0" i="0" u="none" strike="noStrike" cap="none" normalizeH="0" baseline="0" dirty="0" smtClean="0">
+                <a:ln>
+                  <a:noFill/>
+                </a:ln>
+                <a:solidFill>
+                  <a:schemeClr val="tx1"/>
+                </a:solidFill>
+                <a:effectLst/>
+              </a:rPr>
+              <a:t> </a:t>
+            </a:r>
+          </a:p>
+        </p:txBody>
+      </p:sp>
+      <p:pic>
+        <p:nvPicPr>
+          <p:cNvPr id="7" name="图片 6"/>
+          <p:cNvPicPr>
+            <a:picLocks noChangeAspect="1"/>
+          </p:cNvPicPr>
+          <p:nvPr/>
+        </p:nvPicPr>
+        <p:blipFill>
+          <a:blip r:embed="rId3"/>
+          <a:stretch>
+            <a:fillRect/>
+          </a:stretch>
+        </p:blipFill>
+        <p:spPr>
+          <a:xfrm>
+            <a:off x="1038540" y="4945589"/>
+            <a:ext cx="8845653" cy="875054"/>
           </a:xfrm>
           <a:prstGeom prst="rect">
             <a:avLst/>
@@ -3401,82 +4904,313 @@
       </p:grpSpPr>
       <p:sp>
         <p:nvSpPr>
-          <p:cNvPr id="2" name="标题 1"/>
-          <p:cNvSpPr>
-            <a:spLocks noGrp="1"/>
-          </p:cNvSpPr>
-          <p:nvPr>
-            <p:ph type="ctrTitle"/>
-          </p:nvPr>
-        </p:nvSpPr>
-        <p:spPr>
+          <p:cNvPr id="4" name="Rectangle 1"/>
+          <p:cNvSpPr>
+            <a:spLocks noGrp="1" noChangeArrowheads="1"/>
+          </p:cNvSpPr>
+          <p:nvPr>
+            <p:ph type="title"/>
+          </p:nvPr>
+        </p:nvSpPr>
+        <p:spPr bwMode="auto">
           <a:xfrm>
-            <a:off x="373626" y="309716"/>
-            <a:ext cx="7590503" cy="840658"/>
-          </a:xfrm>
-        </p:spPr>
-        <p:txBody>
-          <a:bodyPr>
-            <a:normAutofit/>
-          </a:bodyPr>
-          <a:lstStyle/>
-          <a:p>
-            <a:pPr algn="l"/>
-            <a:r>
-              <a:rPr kumimoji="1" lang="zh-CN" altLang="en-US" sz="5000" dirty="0" smtClean="0"/>
-              <a:t>抓取分支</a:t>
-            </a:r>
-            <a:endParaRPr kumimoji="1" lang="zh-CN" altLang="en-US" sz="5000" dirty="0"/>
-          </a:p>
-        </p:txBody>
-      </p:sp>
-      <p:sp>
-        <p:nvSpPr>
-          <p:cNvPr id="4" name="副标题 3"/>
-          <p:cNvSpPr>
-            <a:spLocks noGrp="1"/>
-          </p:cNvSpPr>
-          <p:nvPr>
-            <p:ph type="subTitle" idx="1"/>
-          </p:nvPr>
-        </p:nvSpPr>
-        <p:spPr/>
-        <p:txBody>
-          <a:bodyPr/>
-          <a:lstStyle/>
-          <a:p>
-            <a:endParaRPr lang="zh-CN" altLang="en-US"/>
-          </a:p>
-        </p:txBody>
-      </p:sp>
-      <p:pic>
-        <p:nvPicPr>
-          <p:cNvPr id="5" name="图片 4"/>
-          <p:cNvPicPr>
-            <a:picLocks noChangeAspect="1"/>
-          </p:cNvPicPr>
-          <p:nvPr/>
-        </p:nvPicPr>
-        <p:blipFill>
-          <a:blip r:embed="rId2"/>
-          <a:stretch>
-            <a:fillRect/>
-          </a:stretch>
-        </p:blipFill>
-        <p:spPr>
-          <a:xfrm>
-            <a:off x="714944" y="1150374"/>
-            <a:ext cx="9953056" cy="5657208"/>
+            <a:off x="627647" y="1252495"/>
+            <a:ext cx="10936705" cy="4424203"/>
           </a:xfrm>
           <a:prstGeom prst="rect">
             <a:avLst/>
           </a:prstGeom>
+          <a:solidFill>
+            <a:srgbClr val="FAFAFA"/>
+          </a:solidFill>
+          <a:ln>
+            <a:noFill/>
+          </a:ln>
+          <a:effectLst/>
+          <a:extLst>
+            <a:ext uri="{91240B29-F687-4F45-9708-019B960494DF}">
+              <a14:hiddenLine xmlns:a14="http://schemas.microsoft.com/office/drawing/2010/main" w="9525">
+                <a:solidFill>
+                  <a:schemeClr val="tx1"/>
+                </a:solidFill>
+                <a:miter lim="800000"/>
+                <a:headEnd/>
+                <a:tailEnd/>
+              </a14:hiddenLine>
+            </a:ext>
+            <a:ext uri="{AF507438-7753-43E0-B8FC-AC1667EBCBE1}">
+              <a14:hiddenEffects xmlns:a14="http://schemas.microsoft.com/office/drawing/2010/main">
+                <a:effectLst>
+                  <a:outerShdw dist="35921" dir="2700000" algn="ctr" rotWithShape="0">
+                    <a:schemeClr val="bg2"/>
+                  </a:outerShdw>
+                </a:effectLst>
+              </a14:hiddenEffects>
+            </a:ext>
+          </a:extLst>
         </p:spPr>
-      </p:pic>
+        <p:txBody>
+          <a:bodyPr vert="horz" wrap="square" lIns="0" tIns="133308" rIns="0" bIns="133308" numCol="1" anchor="ctr" anchorCtr="0" compatLnSpc="1">
+            <a:prstTxWarp prst="textNoShape">
+              <a:avLst/>
+            </a:prstTxWarp>
+            <a:spAutoFit/>
+          </a:bodyPr>
+          <a:lstStyle/>
+          <a:p>
+            <a:pPr marL="0" marR="0" lvl="0" indent="0" algn="l" defTabSz="914400" rtl="0" eaLnBrk="0" fontAlgn="base" latinLnBrk="0" hangingPunct="0">
+              <a:lnSpc>
+                <a:spcPct val="100000"/>
+              </a:lnSpc>
+              <a:spcBef>
+                <a:spcPct val="0"/>
+              </a:spcBef>
+              <a:spcAft>
+                <a:spcPct val="0"/>
+              </a:spcAft>
+              <a:buClrTx/>
+              <a:buSzTx/>
+              <a:buFontTx/>
+              <a:buNone/>
+              <a:tabLst/>
+            </a:pPr>
+            <a:r>
+              <a:rPr kumimoji="0" lang="zh-CN" altLang="zh-CN" sz="2800" b="0" i="0" u="none" strike="noStrike" cap="none" normalizeH="0" baseline="0" dirty="0" smtClean="0">
+                <a:ln>
+                  <a:noFill/>
+                </a:ln>
+                <a:solidFill>
+                  <a:srgbClr val="666666"/>
+                </a:solidFill>
+                <a:effectLst/>
+                <a:latin typeface="Arial" panose="020B0604020202020204" pitchFamily="34" charset="0"/>
+                <a:ea typeface="Helvetica Neue"/>
+              </a:rPr>
+              <a:t>但是，并不是一定要把本地分支往远程推送，那么，哪些分支需要推送，哪些不需要呢？</a:t>
+            </a:r>
+            <a:endParaRPr kumimoji="0" lang="zh-CN" altLang="zh-CN" sz="2800" b="0" i="0" u="none" strike="noStrike" cap="none" normalizeH="0" baseline="0" dirty="0" smtClean="0">
+              <a:ln>
+                <a:noFill/>
+              </a:ln>
+              <a:solidFill>
+                <a:schemeClr val="tx1"/>
+              </a:solidFill>
+              <a:effectLst/>
+              <a:latin typeface="Arial" panose="020B0604020202020204" pitchFamily="34" charset="0"/>
+            </a:endParaRPr>
+          </a:p>
+          <a:p>
+            <a:pPr marL="0" marR="0" lvl="0" indent="0" algn="l" defTabSz="914400" rtl="0" eaLnBrk="0" fontAlgn="base" latinLnBrk="0" hangingPunct="0">
+              <a:lnSpc>
+                <a:spcPct val="100000"/>
+              </a:lnSpc>
+              <a:spcBef>
+                <a:spcPct val="0"/>
+              </a:spcBef>
+              <a:spcAft>
+                <a:spcPct val="0"/>
+              </a:spcAft>
+              <a:buClrTx/>
+              <a:buSzTx/>
+              <a:buFontTx/>
+              <a:buChar char="•"/>
+              <a:tabLst/>
+            </a:pPr>
+            <a:r>
+              <a:rPr kumimoji="0" lang="zh-CN" altLang="zh-CN" sz="2800" b="0" i="0" u="none" strike="noStrike" cap="none" normalizeH="0" baseline="0" dirty="0" smtClean="0">
+                <a:ln>
+                  <a:noFill/>
+                </a:ln>
+                <a:solidFill>
+                  <a:srgbClr val="DD0055"/>
+                </a:solidFill>
+                <a:effectLst/>
+                <a:latin typeface="Consolas" panose="020B0609020204030204" pitchFamily="49" charset="0"/>
+                <a:ea typeface="Helvetica Neue"/>
+                <a:cs typeface="Consolas" panose="020B0609020204030204" pitchFamily="49" charset="0"/>
+              </a:rPr>
+              <a:t>master</a:t>
+            </a:r>
+            <a:r>
+              <a:rPr kumimoji="0" lang="zh-CN" altLang="zh-CN" sz="2800" b="0" i="0" u="none" strike="noStrike" cap="none" normalizeH="0" baseline="0" dirty="0" smtClean="0">
+                <a:ln>
+                  <a:noFill/>
+                </a:ln>
+                <a:solidFill>
+                  <a:srgbClr val="666666"/>
+                </a:solidFill>
+                <a:effectLst/>
+                <a:ea typeface="Helvetica Neue"/>
+              </a:rPr>
+              <a:t>分支是主分支，因此要时刻与远程同步；</a:t>
+            </a:r>
+            <a:endParaRPr kumimoji="0" lang="zh-CN" altLang="zh-CN" sz="2800" b="0" i="0" u="none" strike="noStrike" cap="none" normalizeH="0" baseline="0" dirty="0" smtClean="0">
+              <a:ln>
+                <a:noFill/>
+              </a:ln>
+              <a:solidFill>
+                <a:srgbClr val="666666"/>
+              </a:solidFill>
+              <a:effectLst/>
+              <a:latin typeface="Arial" panose="020B0604020202020204" pitchFamily="34" charset="0"/>
+              <a:ea typeface="Helvetica Neue"/>
+            </a:endParaRPr>
+          </a:p>
+          <a:p>
+            <a:pPr marL="0" marR="0" lvl="0" indent="0" algn="l" defTabSz="914400" rtl="0" eaLnBrk="0" fontAlgn="base" latinLnBrk="0" hangingPunct="0">
+              <a:lnSpc>
+                <a:spcPct val="100000"/>
+              </a:lnSpc>
+              <a:spcBef>
+                <a:spcPct val="0"/>
+              </a:spcBef>
+              <a:spcAft>
+                <a:spcPct val="0"/>
+              </a:spcAft>
+              <a:buClrTx/>
+              <a:buSzTx/>
+              <a:buFontTx/>
+              <a:buChar char="•"/>
+              <a:tabLst/>
+            </a:pPr>
+            <a:r>
+              <a:rPr kumimoji="0" lang="zh-CN" altLang="zh-CN" sz="2800" b="0" i="0" u="none" strike="noStrike" cap="none" normalizeH="0" baseline="0" dirty="0" smtClean="0">
+                <a:ln>
+                  <a:noFill/>
+                </a:ln>
+                <a:solidFill>
+                  <a:srgbClr val="DD0055"/>
+                </a:solidFill>
+                <a:effectLst/>
+                <a:latin typeface="Consolas" panose="020B0609020204030204" pitchFamily="49" charset="0"/>
+                <a:ea typeface="Helvetica Neue"/>
+                <a:cs typeface="Consolas" panose="020B0609020204030204" pitchFamily="49" charset="0"/>
+              </a:rPr>
+              <a:t>dev</a:t>
+            </a:r>
+            <a:r>
+              <a:rPr kumimoji="0" lang="zh-CN" altLang="zh-CN" sz="2800" b="0" i="0" u="none" strike="noStrike" cap="none" normalizeH="0" baseline="0" dirty="0" smtClean="0">
+                <a:ln>
+                  <a:noFill/>
+                </a:ln>
+                <a:solidFill>
+                  <a:srgbClr val="666666"/>
+                </a:solidFill>
+                <a:effectLst/>
+                <a:ea typeface="Helvetica Neue"/>
+              </a:rPr>
+              <a:t>分支是开发分支，团队所有成员都需要在上面工作，所以也需要与远程同步；</a:t>
+            </a:r>
+            <a:endParaRPr kumimoji="0" lang="zh-CN" altLang="zh-CN" sz="2800" b="0" i="0" u="none" strike="noStrike" cap="none" normalizeH="0" baseline="0" dirty="0" smtClean="0">
+              <a:ln>
+                <a:noFill/>
+              </a:ln>
+              <a:solidFill>
+                <a:srgbClr val="666666"/>
+              </a:solidFill>
+              <a:effectLst/>
+              <a:latin typeface="Arial" panose="020B0604020202020204" pitchFamily="34" charset="0"/>
+              <a:ea typeface="Helvetica Neue"/>
+            </a:endParaRPr>
+          </a:p>
+          <a:p>
+            <a:pPr marL="0" marR="0" lvl="0" indent="0" algn="l" defTabSz="914400" rtl="0" eaLnBrk="0" fontAlgn="base" latinLnBrk="0" hangingPunct="0">
+              <a:lnSpc>
+                <a:spcPct val="100000"/>
+              </a:lnSpc>
+              <a:spcBef>
+                <a:spcPct val="0"/>
+              </a:spcBef>
+              <a:spcAft>
+                <a:spcPct val="0"/>
+              </a:spcAft>
+              <a:buClrTx/>
+              <a:buSzTx/>
+              <a:buFontTx/>
+              <a:buChar char="•"/>
+              <a:tabLst/>
+            </a:pPr>
+            <a:r>
+              <a:rPr kumimoji="0" lang="zh-CN" altLang="zh-CN" sz="2800" b="0" i="0" u="none" strike="noStrike" cap="none" normalizeH="0" baseline="0" dirty="0" smtClean="0">
+                <a:ln>
+                  <a:noFill/>
+                </a:ln>
+                <a:solidFill>
+                  <a:srgbClr val="666666"/>
+                </a:solidFill>
+                <a:effectLst/>
+                <a:latin typeface="Arial" panose="020B0604020202020204" pitchFamily="34" charset="0"/>
+                <a:ea typeface="Helvetica Neue"/>
+              </a:rPr>
+              <a:t>bug分支只用于在本地修复bug，就没必要推到远程了，除非老板要看看你每周到底修复了几个bug；</a:t>
+            </a:r>
+          </a:p>
+          <a:p>
+            <a:pPr marL="0" marR="0" lvl="0" indent="0" algn="l" defTabSz="914400" rtl="0" eaLnBrk="0" fontAlgn="base" latinLnBrk="0" hangingPunct="0">
+              <a:lnSpc>
+                <a:spcPct val="100000"/>
+              </a:lnSpc>
+              <a:spcBef>
+                <a:spcPct val="0"/>
+              </a:spcBef>
+              <a:spcAft>
+                <a:spcPct val="0"/>
+              </a:spcAft>
+              <a:buClrTx/>
+              <a:buSzTx/>
+              <a:buFontTx/>
+              <a:buChar char="•"/>
+              <a:tabLst/>
+            </a:pPr>
+            <a:r>
+              <a:rPr kumimoji="0" lang="zh-CN" altLang="zh-CN" sz="2800" b="0" i="0" u="none" strike="noStrike" cap="none" normalizeH="0" baseline="0" dirty="0" smtClean="0">
+                <a:ln>
+                  <a:noFill/>
+                </a:ln>
+                <a:solidFill>
+                  <a:srgbClr val="666666"/>
+                </a:solidFill>
+                <a:effectLst/>
+                <a:latin typeface="Arial" panose="020B0604020202020204" pitchFamily="34" charset="0"/>
+                <a:ea typeface="Helvetica Neue"/>
+              </a:rPr>
+              <a:t>feature分支是否推到远程，取决于你是否和你的小伙伴合作在上面开发。</a:t>
+            </a:r>
+          </a:p>
+          <a:p>
+            <a:pPr marL="0" marR="0" lvl="0" indent="0" algn="l" defTabSz="914400" rtl="0" eaLnBrk="0" fontAlgn="base" latinLnBrk="0" hangingPunct="0">
+              <a:lnSpc>
+                <a:spcPct val="100000"/>
+              </a:lnSpc>
+              <a:spcBef>
+                <a:spcPct val="0"/>
+              </a:spcBef>
+              <a:spcAft>
+                <a:spcPct val="0"/>
+              </a:spcAft>
+              <a:buClrTx/>
+              <a:buSzTx/>
+              <a:buFontTx/>
+              <a:buNone/>
+              <a:tabLst/>
+            </a:pPr>
+            <a:endParaRPr kumimoji="0" lang="zh-CN" altLang="zh-CN" sz="1800" b="0" i="0" u="none" strike="noStrike" cap="none" normalizeH="0" baseline="0" dirty="0" smtClean="0">
+              <a:ln>
+                <a:noFill/>
+              </a:ln>
+              <a:solidFill>
+                <a:schemeClr val="tx1"/>
+              </a:solidFill>
+              <a:effectLst/>
+              <a:latin typeface="Arial" panose="020B0604020202020204" pitchFamily="34" charset="0"/>
+            </a:endParaRPr>
+          </a:p>
+        </p:txBody>
+      </p:sp>
     </p:spTree>
     <p:extLst>
       <p:ext uri="{BB962C8B-B14F-4D97-AF65-F5344CB8AC3E}">
-        <p14:creationId xmlns:p14="http://schemas.microsoft.com/office/powerpoint/2010/main" val="1760281936"/>
+        <p14:creationId xmlns:p14="http://schemas.microsoft.com/office/powerpoint/2010/main" val="1407565231"/>
       </p:ext>
     </p:extLst>
   </p:cSld>
@@ -3503,9 +5237,358 @@
           <a:chExt cx="0" cy="0"/>
         </a:xfrm>
       </p:grpSpPr>
+      <p:sp>
+        <p:nvSpPr>
+          <p:cNvPr id="3" name="Rectangle 1"/>
+          <p:cNvSpPr>
+            <a:spLocks noChangeArrowheads="1"/>
+          </p:cNvSpPr>
+          <p:nvPr/>
+        </p:nvSpPr>
+        <p:spPr bwMode="auto">
+          <a:xfrm>
+            <a:off x="601579" y="361316"/>
+            <a:ext cx="10988842" cy="2022555"/>
+          </a:xfrm>
+          <a:prstGeom prst="rect">
+            <a:avLst/>
+          </a:prstGeom>
+          <a:solidFill>
+            <a:srgbClr val="FAFAFA"/>
+          </a:solidFill>
+          <a:ln>
+            <a:noFill/>
+          </a:ln>
+          <a:effectLst/>
+          <a:extLst>
+            <a:ext uri="{91240B29-F687-4F45-9708-019B960494DF}">
+              <a14:hiddenLine xmlns:a14="http://schemas.microsoft.com/office/drawing/2010/main" w="9525">
+                <a:solidFill>
+                  <a:schemeClr val="tx1"/>
+                </a:solidFill>
+                <a:miter lim="800000"/>
+                <a:headEnd/>
+                <a:tailEnd/>
+              </a14:hiddenLine>
+            </a:ext>
+            <a:ext uri="{AF507438-7753-43E0-B8FC-AC1667EBCBE1}">
+              <a14:hiddenEffects xmlns:a14="http://schemas.microsoft.com/office/drawing/2010/main">
+                <a:effectLst>
+                  <a:outerShdw dist="35921" dir="2700000" algn="ctr" rotWithShape="0">
+                    <a:schemeClr val="bg2"/>
+                  </a:outerShdw>
+                </a:effectLst>
+              </a14:hiddenEffects>
+            </a:ext>
+          </a:extLst>
+        </p:spPr>
+        <p:txBody>
+          <a:bodyPr vert="horz" wrap="square" lIns="0" tIns="223767" rIns="0" bIns="133308" numCol="1" anchor="ctr" anchorCtr="0" compatLnSpc="1">
+            <a:prstTxWarp prst="textNoShape">
+              <a:avLst/>
+            </a:prstTxWarp>
+            <a:spAutoFit/>
+          </a:bodyPr>
+          <a:lstStyle>
+            <a:lvl1pPr eaLnBrk="0" fontAlgn="base" hangingPunct="0">
+              <a:spcBef>
+                <a:spcPct val="0"/>
+              </a:spcBef>
+              <a:spcAft>
+                <a:spcPct val="0"/>
+              </a:spcAft>
+              <a:defRPr>
+                <a:solidFill>
+                  <a:schemeClr val="tx1"/>
+                </a:solidFill>
+                <a:latin typeface="Arial" panose="020B0604020202020204" pitchFamily="34" charset="0"/>
+              </a:defRPr>
+            </a:lvl1pPr>
+            <a:lvl2pPr eaLnBrk="0" fontAlgn="base" hangingPunct="0">
+              <a:spcBef>
+                <a:spcPct val="0"/>
+              </a:spcBef>
+              <a:spcAft>
+                <a:spcPct val="0"/>
+              </a:spcAft>
+              <a:defRPr>
+                <a:solidFill>
+                  <a:schemeClr val="tx1"/>
+                </a:solidFill>
+                <a:latin typeface="Arial" panose="020B0604020202020204" pitchFamily="34" charset="0"/>
+              </a:defRPr>
+            </a:lvl2pPr>
+            <a:lvl3pPr eaLnBrk="0" fontAlgn="base" hangingPunct="0">
+              <a:spcBef>
+                <a:spcPct val="0"/>
+              </a:spcBef>
+              <a:spcAft>
+                <a:spcPct val="0"/>
+              </a:spcAft>
+              <a:defRPr>
+                <a:solidFill>
+                  <a:schemeClr val="tx1"/>
+                </a:solidFill>
+                <a:latin typeface="Arial" panose="020B0604020202020204" pitchFamily="34" charset="0"/>
+              </a:defRPr>
+            </a:lvl3pPr>
+            <a:lvl4pPr eaLnBrk="0" fontAlgn="base" hangingPunct="0">
+              <a:spcBef>
+                <a:spcPct val="0"/>
+              </a:spcBef>
+              <a:spcAft>
+                <a:spcPct val="0"/>
+              </a:spcAft>
+              <a:defRPr>
+                <a:solidFill>
+                  <a:schemeClr val="tx1"/>
+                </a:solidFill>
+                <a:latin typeface="Arial" panose="020B0604020202020204" pitchFamily="34" charset="0"/>
+              </a:defRPr>
+            </a:lvl4pPr>
+            <a:lvl5pPr eaLnBrk="0" fontAlgn="base" hangingPunct="0">
+              <a:spcBef>
+                <a:spcPct val="0"/>
+              </a:spcBef>
+              <a:spcAft>
+                <a:spcPct val="0"/>
+              </a:spcAft>
+              <a:defRPr>
+                <a:solidFill>
+                  <a:schemeClr val="tx1"/>
+                </a:solidFill>
+                <a:latin typeface="Arial" panose="020B0604020202020204" pitchFamily="34" charset="0"/>
+              </a:defRPr>
+            </a:lvl5pPr>
+            <a:lvl6pPr eaLnBrk="0" fontAlgn="base" hangingPunct="0">
+              <a:spcBef>
+                <a:spcPct val="0"/>
+              </a:spcBef>
+              <a:spcAft>
+                <a:spcPct val="0"/>
+              </a:spcAft>
+              <a:defRPr>
+                <a:solidFill>
+                  <a:schemeClr val="tx1"/>
+                </a:solidFill>
+                <a:latin typeface="Arial" panose="020B0604020202020204" pitchFamily="34" charset="0"/>
+              </a:defRPr>
+            </a:lvl6pPr>
+            <a:lvl7pPr eaLnBrk="0" fontAlgn="base" hangingPunct="0">
+              <a:spcBef>
+                <a:spcPct val="0"/>
+              </a:spcBef>
+              <a:spcAft>
+                <a:spcPct val="0"/>
+              </a:spcAft>
+              <a:defRPr>
+                <a:solidFill>
+                  <a:schemeClr val="tx1"/>
+                </a:solidFill>
+                <a:latin typeface="Arial" panose="020B0604020202020204" pitchFamily="34" charset="0"/>
+              </a:defRPr>
+            </a:lvl7pPr>
+            <a:lvl8pPr eaLnBrk="0" fontAlgn="base" hangingPunct="0">
+              <a:spcBef>
+                <a:spcPct val="0"/>
+              </a:spcBef>
+              <a:spcAft>
+                <a:spcPct val="0"/>
+              </a:spcAft>
+              <a:defRPr>
+                <a:solidFill>
+                  <a:schemeClr val="tx1"/>
+                </a:solidFill>
+                <a:latin typeface="Arial" panose="020B0604020202020204" pitchFamily="34" charset="0"/>
+              </a:defRPr>
+            </a:lvl8pPr>
+            <a:lvl9pPr eaLnBrk="0" fontAlgn="base" hangingPunct="0">
+              <a:spcBef>
+                <a:spcPct val="0"/>
+              </a:spcBef>
+              <a:spcAft>
+                <a:spcPct val="0"/>
+              </a:spcAft>
+              <a:defRPr>
+                <a:solidFill>
+                  <a:schemeClr val="tx1"/>
+                </a:solidFill>
+                <a:latin typeface="Arial" panose="020B0604020202020204" pitchFamily="34" charset="0"/>
+              </a:defRPr>
+            </a:lvl9pPr>
+          </a:lstStyle>
+          <a:p>
+            <a:pPr marL="0" marR="0" lvl="0" indent="0" algn="l" defTabSz="914400" rtl="0" eaLnBrk="0" fontAlgn="base" latinLnBrk="0" hangingPunct="0">
+              <a:lnSpc>
+                <a:spcPct val="100000"/>
+              </a:lnSpc>
+              <a:spcBef>
+                <a:spcPct val="0"/>
+              </a:spcBef>
+              <a:spcAft>
+                <a:spcPct val="0"/>
+              </a:spcAft>
+              <a:buClrTx/>
+              <a:buSzTx/>
+              <a:buFontTx/>
+              <a:buNone/>
+              <a:tabLst/>
+            </a:pPr>
+            <a:r>
+              <a:rPr kumimoji="0" lang="zh-CN" altLang="zh-CN" sz="3600" b="0" i="0" u="none" strike="noStrike" cap="none" normalizeH="0" baseline="0" dirty="0" smtClean="0">
+                <a:ln>
+                  <a:noFill/>
+                </a:ln>
+                <a:solidFill>
+                  <a:srgbClr val="444444"/>
+                </a:solidFill>
+                <a:effectLst/>
+                <a:ea typeface="Helvetica Neue"/>
+              </a:rPr>
+              <a:t>抓取分支</a:t>
+            </a:r>
+          </a:p>
+          <a:p>
+            <a:pPr marL="0" marR="0" lvl="0" indent="0" algn="l" defTabSz="914400" rtl="0" eaLnBrk="0" fontAlgn="base" latinLnBrk="0" hangingPunct="0">
+              <a:lnSpc>
+                <a:spcPct val="100000"/>
+              </a:lnSpc>
+              <a:spcBef>
+                <a:spcPct val="0"/>
+              </a:spcBef>
+              <a:spcAft>
+                <a:spcPct val="0"/>
+              </a:spcAft>
+              <a:buClrTx/>
+              <a:buSzTx/>
+              <a:buFontTx/>
+              <a:buNone/>
+              <a:tabLst/>
+            </a:pPr>
+            <a:r>
+              <a:rPr kumimoji="0" lang="zh-CN" altLang="zh-CN" sz="2400" b="0" i="0" u="none" strike="noStrike" cap="none" normalizeH="0" baseline="0" dirty="0" smtClean="0">
+                <a:ln>
+                  <a:noFill/>
+                </a:ln>
+                <a:solidFill>
+                  <a:srgbClr val="666666"/>
+                </a:solidFill>
+                <a:effectLst/>
+                <a:ea typeface="Helvetica Neue"/>
+              </a:rPr>
+              <a:t>多人协作时，大家都会往</a:t>
+            </a:r>
+            <a:r>
+              <a:rPr kumimoji="0" lang="zh-CN" altLang="zh-CN" sz="2400" b="0" i="0" u="none" strike="noStrike" cap="none" normalizeH="0" baseline="0" dirty="0" smtClean="0">
+                <a:ln>
+                  <a:noFill/>
+                </a:ln>
+                <a:solidFill>
+                  <a:srgbClr val="DD0055"/>
+                </a:solidFill>
+                <a:effectLst/>
+                <a:latin typeface="Consolas" panose="020B0609020204030204" pitchFamily="49" charset="0"/>
+                <a:ea typeface="Helvetica Neue"/>
+                <a:cs typeface="Consolas" panose="020B0609020204030204" pitchFamily="49" charset="0"/>
+              </a:rPr>
+              <a:t>master</a:t>
+            </a:r>
+            <a:r>
+              <a:rPr kumimoji="0" lang="zh-CN" altLang="zh-CN" sz="2400" b="0" i="0" u="none" strike="noStrike" cap="none" normalizeH="0" baseline="0" dirty="0" smtClean="0">
+                <a:ln>
+                  <a:noFill/>
+                </a:ln>
+                <a:solidFill>
+                  <a:srgbClr val="666666"/>
+                </a:solidFill>
+                <a:effectLst/>
+                <a:ea typeface="Helvetica Neue"/>
+              </a:rPr>
+              <a:t>和</a:t>
+            </a:r>
+            <a:r>
+              <a:rPr kumimoji="0" lang="zh-CN" altLang="zh-CN" sz="2400" b="0" i="0" u="none" strike="noStrike" cap="none" normalizeH="0" baseline="0" dirty="0" smtClean="0">
+                <a:ln>
+                  <a:noFill/>
+                </a:ln>
+                <a:solidFill>
+                  <a:srgbClr val="DD0055"/>
+                </a:solidFill>
+                <a:effectLst/>
+                <a:latin typeface="Consolas" panose="020B0609020204030204" pitchFamily="49" charset="0"/>
+                <a:ea typeface="Helvetica Neue"/>
+                <a:cs typeface="Consolas" panose="020B0609020204030204" pitchFamily="49" charset="0"/>
+              </a:rPr>
+              <a:t>dev</a:t>
+            </a:r>
+            <a:r>
+              <a:rPr kumimoji="0" lang="zh-CN" altLang="zh-CN" sz="2400" b="0" i="0" u="none" strike="noStrike" cap="none" normalizeH="0" baseline="0" dirty="0" smtClean="0">
+                <a:ln>
+                  <a:noFill/>
+                </a:ln>
+                <a:solidFill>
+                  <a:srgbClr val="666666"/>
+                </a:solidFill>
+                <a:effectLst/>
+                <a:ea typeface="Helvetica Neue"/>
+              </a:rPr>
+              <a:t>分支上推送各自的修改。</a:t>
+            </a:r>
+            <a:endParaRPr kumimoji="0" lang="zh-CN" altLang="zh-CN" sz="2400" b="0" i="0" u="none" strike="noStrike" cap="none" normalizeH="0" baseline="0" dirty="0" smtClean="0">
+              <a:ln>
+                <a:noFill/>
+              </a:ln>
+              <a:solidFill>
+                <a:schemeClr val="tx1"/>
+              </a:solidFill>
+              <a:effectLst/>
+            </a:endParaRPr>
+          </a:p>
+          <a:p>
+            <a:pPr marL="0" marR="0" lvl="0" indent="0" algn="l" defTabSz="914400" rtl="0" eaLnBrk="0" fontAlgn="base" latinLnBrk="0" hangingPunct="0">
+              <a:lnSpc>
+                <a:spcPct val="100000"/>
+              </a:lnSpc>
+              <a:spcBef>
+                <a:spcPct val="0"/>
+              </a:spcBef>
+              <a:spcAft>
+                <a:spcPct val="0"/>
+              </a:spcAft>
+              <a:buClrTx/>
+              <a:buSzTx/>
+              <a:buFontTx/>
+              <a:buNone/>
+              <a:tabLst/>
+            </a:pPr>
+            <a:r>
+              <a:rPr kumimoji="0" lang="zh-CN" altLang="zh-CN" sz="2400" b="0" i="0" u="none" strike="noStrike" cap="none" normalizeH="0" baseline="0" dirty="0" smtClean="0">
+                <a:ln>
+                  <a:noFill/>
+                </a:ln>
+                <a:solidFill>
+                  <a:srgbClr val="666666"/>
+                </a:solidFill>
+                <a:effectLst/>
+                <a:ea typeface="Helvetica Neue"/>
+              </a:rPr>
+              <a:t>现在，模拟一个你的小伙伴，可以在另一台电脑（注意要把SSH Key添加到GitHub）或者同一台电脑的另一个目录下克隆：</a:t>
+            </a:r>
+            <a:endParaRPr kumimoji="0" lang="zh-CN" altLang="zh-CN" sz="2400" b="0" i="0" u="none" strike="noStrike" cap="none" normalizeH="0" baseline="0" dirty="0" smtClean="0">
+              <a:ln>
+                <a:noFill/>
+              </a:ln>
+              <a:solidFill>
+                <a:schemeClr val="tx1"/>
+              </a:solidFill>
+              <a:effectLst/>
+            </a:endParaRPr>
+          </a:p>
+        </p:txBody>
+      </p:sp>
       <p:pic>
         <p:nvPicPr>
-          <p:cNvPr id="7" name="图片 6"/>
+          <p:cNvPr id="6" name="图片 5"/>
           <p:cNvPicPr>
             <a:picLocks noChangeAspect="1"/>
           </p:cNvPicPr>
@@ -3519,42 +5602,299 @@
         </p:blipFill>
         <p:spPr>
           <a:xfrm>
-            <a:off x="975121" y="1169459"/>
-            <a:ext cx="10241758" cy="1130725"/>
+            <a:off x="922421" y="2502652"/>
+            <a:ext cx="8990136" cy="2198771"/>
           </a:xfrm>
           <a:prstGeom prst="rect">
             <a:avLst/>
           </a:prstGeom>
         </p:spPr>
       </p:pic>
-      <p:pic>
-        <p:nvPicPr>
-          <p:cNvPr id="8" name="图片 7"/>
-          <p:cNvPicPr>
-            <a:picLocks noChangeAspect="1"/>
-          </p:cNvPicPr>
-          <p:nvPr/>
-        </p:nvPicPr>
-        <p:blipFill>
-          <a:blip r:embed="rId3"/>
-          <a:stretch>
-            <a:fillRect/>
-          </a:stretch>
-        </p:blipFill>
-        <p:spPr>
+      <p:sp>
+        <p:nvSpPr>
+          <p:cNvPr id="7" name="Rectangle 2"/>
+          <p:cNvSpPr>
+            <a:spLocks noGrp="1" noChangeArrowheads="1"/>
+          </p:cNvSpPr>
+          <p:nvPr>
+            <p:ph type="subTitle" idx="1"/>
+          </p:nvPr>
+        </p:nvSpPr>
+        <p:spPr bwMode="auto">
           <a:xfrm>
-            <a:off x="975121" y="3528462"/>
-            <a:ext cx="10241758" cy="2300122"/>
+            <a:off x="729917" y="5373135"/>
+            <a:ext cx="10067312" cy="954107"/>
           </a:xfrm>
           <a:prstGeom prst="rect">
             <a:avLst/>
           </a:prstGeom>
+          <a:solidFill>
+            <a:srgbClr val="FAFAFA"/>
+          </a:solidFill>
+          <a:ln>
+            <a:noFill/>
+          </a:ln>
+          <a:effectLst/>
+          <a:extLst>
+            <a:ext uri="{91240B29-F687-4F45-9708-019B960494DF}">
+              <a14:hiddenLine xmlns:a14="http://schemas.microsoft.com/office/drawing/2010/main" w="9525">
+                <a:solidFill>
+                  <a:schemeClr val="tx1"/>
+                </a:solidFill>
+                <a:miter lim="800000"/>
+                <a:headEnd/>
+                <a:tailEnd/>
+              </a14:hiddenLine>
+            </a:ext>
+            <a:ext uri="{AF507438-7753-43E0-B8FC-AC1667EBCBE1}">
+              <a14:hiddenEffects xmlns:a14="http://schemas.microsoft.com/office/drawing/2010/main">
+                <a:effectLst>
+                  <a:outerShdw dist="35921" dir="2700000" algn="ctr" rotWithShape="0">
+                    <a:schemeClr val="bg2"/>
+                  </a:outerShdw>
+                </a:effectLst>
+              </a14:hiddenEffects>
+            </a:ext>
+          </a:extLst>
         </p:spPr>
-      </p:pic>
+        <p:txBody>
+          <a:bodyPr vert="horz" wrap="square" lIns="91440" tIns="45720" rIns="91440" bIns="45720" numCol="1" anchor="ctr" anchorCtr="0" compatLnSpc="1">
+            <a:prstTxWarp prst="textNoShape">
+              <a:avLst/>
+            </a:prstTxWarp>
+            <a:spAutoFit/>
+          </a:bodyPr>
+          <a:lstStyle>
+            <a:lvl1pPr eaLnBrk="0" fontAlgn="base" hangingPunct="0">
+              <a:spcBef>
+                <a:spcPct val="0"/>
+              </a:spcBef>
+              <a:spcAft>
+                <a:spcPct val="0"/>
+              </a:spcAft>
+              <a:defRPr>
+                <a:solidFill>
+                  <a:schemeClr val="tx1"/>
+                </a:solidFill>
+                <a:latin typeface="Arial" panose="020B0604020202020204" pitchFamily="34" charset="0"/>
+              </a:defRPr>
+            </a:lvl1pPr>
+            <a:lvl2pPr eaLnBrk="0" fontAlgn="base" hangingPunct="0">
+              <a:spcBef>
+                <a:spcPct val="0"/>
+              </a:spcBef>
+              <a:spcAft>
+                <a:spcPct val="0"/>
+              </a:spcAft>
+              <a:defRPr>
+                <a:solidFill>
+                  <a:schemeClr val="tx1"/>
+                </a:solidFill>
+                <a:latin typeface="Arial" panose="020B0604020202020204" pitchFamily="34" charset="0"/>
+              </a:defRPr>
+            </a:lvl2pPr>
+            <a:lvl3pPr eaLnBrk="0" fontAlgn="base" hangingPunct="0">
+              <a:spcBef>
+                <a:spcPct val="0"/>
+              </a:spcBef>
+              <a:spcAft>
+                <a:spcPct val="0"/>
+              </a:spcAft>
+              <a:defRPr>
+                <a:solidFill>
+                  <a:schemeClr val="tx1"/>
+                </a:solidFill>
+                <a:latin typeface="Arial" panose="020B0604020202020204" pitchFamily="34" charset="0"/>
+              </a:defRPr>
+            </a:lvl3pPr>
+            <a:lvl4pPr eaLnBrk="0" fontAlgn="base" hangingPunct="0">
+              <a:spcBef>
+                <a:spcPct val="0"/>
+              </a:spcBef>
+              <a:spcAft>
+                <a:spcPct val="0"/>
+              </a:spcAft>
+              <a:defRPr>
+                <a:solidFill>
+                  <a:schemeClr val="tx1"/>
+                </a:solidFill>
+                <a:latin typeface="Arial" panose="020B0604020202020204" pitchFamily="34" charset="0"/>
+              </a:defRPr>
+            </a:lvl4pPr>
+            <a:lvl5pPr eaLnBrk="0" fontAlgn="base" hangingPunct="0">
+              <a:spcBef>
+                <a:spcPct val="0"/>
+              </a:spcBef>
+              <a:spcAft>
+                <a:spcPct val="0"/>
+              </a:spcAft>
+              <a:defRPr>
+                <a:solidFill>
+                  <a:schemeClr val="tx1"/>
+                </a:solidFill>
+                <a:latin typeface="Arial" panose="020B0604020202020204" pitchFamily="34" charset="0"/>
+              </a:defRPr>
+            </a:lvl5pPr>
+            <a:lvl6pPr eaLnBrk="0" fontAlgn="base" hangingPunct="0">
+              <a:spcBef>
+                <a:spcPct val="0"/>
+              </a:spcBef>
+              <a:spcAft>
+                <a:spcPct val="0"/>
+              </a:spcAft>
+              <a:defRPr>
+                <a:solidFill>
+                  <a:schemeClr val="tx1"/>
+                </a:solidFill>
+                <a:latin typeface="Arial" panose="020B0604020202020204" pitchFamily="34" charset="0"/>
+              </a:defRPr>
+            </a:lvl6pPr>
+            <a:lvl7pPr eaLnBrk="0" fontAlgn="base" hangingPunct="0">
+              <a:spcBef>
+                <a:spcPct val="0"/>
+              </a:spcBef>
+              <a:spcAft>
+                <a:spcPct val="0"/>
+              </a:spcAft>
+              <a:defRPr>
+                <a:solidFill>
+                  <a:schemeClr val="tx1"/>
+                </a:solidFill>
+                <a:latin typeface="Arial" panose="020B0604020202020204" pitchFamily="34" charset="0"/>
+              </a:defRPr>
+            </a:lvl7pPr>
+            <a:lvl8pPr eaLnBrk="0" fontAlgn="base" hangingPunct="0">
+              <a:spcBef>
+                <a:spcPct val="0"/>
+              </a:spcBef>
+              <a:spcAft>
+                <a:spcPct val="0"/>
+              </a:spcAft>
+              <a:defRPr>
+                <a:solidFill>
+                  <a:schemeClr val="tx1"/>
+                </a:solidFill>
+                <a:latin typeface="Arial" panose="020B0604020202020204" pitchFamily="34" charset="0"/>
+              </a:defRPr>
+            </a:lvl8pPr>
+            <a:lvl9pPr eaLnBrk="0" fontAlgn="base" hangingPunct="0">
+              <a:spcBef>
+                <a:spcPct val="0"/>
+              </a:spcBef>
+              <a:spcAft>
+                <a:spcPct val="0"/>
+              </a:spcAft>
+              <a:defRPr>
+                <a:solidFill>
+                  <a:schemeClr val="tx1"/>
+                </a:solidFill>
+                <a:latin typeface="Arial" panose="020B0604020202020204" pitchFamily="34" charset="0"/>
+              </a:defRPr>
+            </a:lvl9pPr>
+          </a:lstStyle>
+          <a:p>
+            <a:pPr marL="0" marR="0" lvl="0" indent="0" algn="l" defTabSz="914400" rtl="0" eaLnBrk="0" fontAlgn="base" latinLnBrk="0" hangingPunct="0">
+              <a:lnSpc>
+                <a:spcPct val="100000"/>
+              </a:lnSpc>
+              <a:spcBef>
+                <a:spcPct val="0"/>
+              </a:spcBef>
+              <a:spcAft>
+                <a:spcPct val="0"/>
+              </a:spcAft>
+              <a:buClrTx/>
+              <a:buSzTx/>
+              <a:buFontTx/>
+              <a:buNone/>
+              <a:tabLst/>
+            </a:pPr>
+            <a:r>
+              <a:rPr kumimoji="0" lang="zh-CN" altLang="zh-CN" sz="2800" b="0" i="0" u="none" strike="noStrike" cap="none" normalizeH="0" baseline="0" dirty="0" smtClean="0">
+                <a:ln>
+                  <a:noFill/>
+                </a:ln>
+                <a:solidFill>
+                  <a:srgbClr val="666666"/>
+                </a:solidFill>
+                <a:effectLst/>
+                <a:ea typeface="Helvetica Neue"/>
+              </a:rPr>
+              <a:t>当你的小伙伴从远程库clone时，默认情况下，你的小伙伴只能看到本地的</a:t>
+            </a:r>
+            <a:r>
+              <a:rPr kumimoji="0" lang="zh-CN" altLang="zh-CN" sz="2800" b="0" i="0" u="none" strike="noStrike" cap="none" normalizeH="0" baseline="0" dirty="0" smtClean="0">
+                <a:ln>
+                  <a:noFill/>
+                </a:ln>
+                <a:solidFill>
+                  <a:srgbClr val="DD0055"/>
+                </a:solidFill>
+                <a:effectLst/>
+                <a:latin typeface="Consolas" panose="020B0609020204030204" pitchFamily="49" charset="0"/>
+                <a:cs typeface="Consolas" panose="020B0609020204030204" pitchFamily="49" charset="0"/>
+              </a:rPr>
+              <a:t>master</a:t>
+            </a:r>
+            <a:r>
+              <a:rPr kumimoji="0" lang="zh-CN" altLang="zh-CN" sz="2800" b="0" i="0" u="none" strike="noStrike" cap="none" normalizeH="0" baseline="0" dirty="0" smtClean="0">
+                <a:ln>
+                  <a:noFill/>
+                </a:ln>
+                <a:solidFill>
+                  <a:srgbClr val="666666"/>
+                </a:solidFill>
+                <a:effectLst/>
+                <a:ea typeface="Helvetica Neue"/>
+              </a:rPr>
+              <a:t>分支。不信可以用</a:t>
+            </a:r>
+            <a:r>
+              <a:rPr kumimoji="0" lang="zh-CN" altLang="zh-CN" sz="2800" b="0" i="0" u="none" strike="noStrike" cap="none" normalizeH="0" baseline="0" dirty="0" smtClean="0">
+                <a:ln>
+                  <a:noFill/>
+                </a:ln>
+                <a:solidFill>
+                  <a:srgbClr val="DD0055"/>
+                </a:solidFill>
+                <a:effectLst/>
+                <a:latin typeface="Consolas" panose="020B0609020204030204" pitchFamily="49" charset="0"/>
+                <a:cs typeface="Consolas" panose="020B0609020204030204" pitchFamily="49" charset="0"/>
+              </a:rPr>
+              <a:t>git branch</a:t>
+            </a:r>
+            <a:r>
+              <a:rPr kumimoji="0" lang="zh-CN" altLang="zh-CN" sz="2800" b="0" i="0" u="none" strike="noStrike" cap="none" normalizeH="0" baseline="0" dirty="0" smtClean="0">
+                <a:ln>
+                  <a:noFill/>
+                </a:ln>
+                <a:solidFill>
+                  <a:srgbClr val="666666"/>
+                </a:solidFill>
+                <a:effectLst/>
+                <a:ea typeface="Helvetica Neue"/>
+              </a:rPr>
+              <a:t>命令看看：</a:t>
+            </a:r>
+            <a:r>
+              <a:rPr kumimoji="0" lang="zh-CN" altLang="zh-CN" sz="2800" b="0" i="0" u="none" strike="noStrike" cap="none" normalizeH="0" baseline="0" dirty="0" smtClean="0">
+                <a:ln>
+                  <a:noFill/>
+                </a:ln>
+                <a:solidFill>
+                  <a:schemeClr val="tx1"/>
+                </a:solidFill>
+                <a:effectLst/>
+              </a:rPr>
+              <a:t> </a:t>
+            </a:r>
+          </a:p>
+        </p:txBody>
+      </p:sp>
     </p:spTree>
     <p:extLst>
       <p:ext uri="{BB962C8B-B14F-4D97-AF65-F5344CB8AC3E}">
-        <p14:creationId xmlns:p14="http://schemas.microsoft.com/office/powerpoint/2010/main" val="706043324"/>
+        <p14:creationId xmlns:p14="http://schemas.microsoft.com/office/powerpoint/2010/main" val="1760281936"/>
       </p:ext>
     </p:extLst>
   </p:cSld>
@@ -3583,7 +5923,7 @@
       </p:grpSpPr>
       <p:pic>
         <p:nvPicPr>
-          <p:cNvPr id="7" name="图片 6"/>
+          <p:cNvPr id="2" name="图片 1"/>
           <p:cNvPicPr>
             <a:picLocks noChangeAspect="1"/>
           </p:cNvPicPr>
@@ -3597,14 +5937,921 @@
         </p:blipFill>
         <p:spPr>
           <a:xfrm>
-            <a:off x="1077567" y="1644993"/>
-            <a:ext cx="10634772" cy="3800463"/>
+            <a:off x="1010036" y="1451308"/>
+            <a:ext cx="9816130" cy="1103146"/>
           </a:xfrm>
           <a:prstGeom prst="rect">
             <a:avLst/>
           </a:prstGeom>
         </p:spPr>
       </p:pic>
+      <p:sp>
+        <p:nvSpPr>
+          <p:cNvPr id="5" name="Rectangle 1"/>
+          <p:cNvSpPr>
+            <a:spLocks noGrp="1" noChangeArrowheads="1"/>
+          </p:cNvSpPr>
+          <p:nvPr>
+            <p:ph type="ctrTitle"/>
+          </p:nvPr>
+        </p:nvSpPr>
+        <p:spPr bwMode="auto">
+          <a:xfrm>
+            <a:off x="1010036" y="3609418"/>
+            <a:ext cx="9962764" cy="1384995"/>
+          </a:xfrm>
+          <a:prstGeom prst="rect">
+            <a:avLst/>
+          </a:prstGeom>
+          <a:solidFill>
+            <a:srgbClr val="FAFAFA"/>
+          </a:solidFill>
+          <a:ln>
+            <a:noFill/>
+          </a:ln>
+          <a:effectLst/>
+          <a:extLst>
+            <a:ext uri="{91240B29-F687-4F45-9708-019B960494DF}">
+              <a14:hiddenLine xmlns:a14="http://schemas.microsoft.com/office/drawing/2010/main" w="9525">
+                <a:solidFill>
+                  <a:schemeClr val="tx1"/>
+                </a:solidFill>
+                <a:miter lim="800000"/>
+                <a:headEnd/>
+                <a:tailEnd/>
+              </a14:hiddenLine>
+            </a:ext>
+            <a:ext uri="{AF507438-7753-43E0-B8FC-AC1667EBCBE1}">
+              <a14:hiddenEffects xmlns:a14="http://schemas.microsoft.com/office/drawing/2010/main">
+                <a:effectLst>
+                  <a:outerShdw dist="35921" dir="2700000" algn="ctr" rotWithShape="0">
+                    <a:schemeClr val="bg2"/>
+                  </a:outerShdw>
+                </a:effectLst>
+              </a14:hiddenEffects>
+            </a:ext>
+          </a:extLst>
+        </p:spPr>
+        <p:txBody>
+          <a:bodyPr vert="horz" wrap="square" lIns="91440" tIns="45720" rIns="91440" bIns="45720" numCol="1" anchor="ctr" anchorCtr="0" compatLnSpc="1">
+            <a:prstTxWarp prst="textNoShape">
+              <a:avLst/>
+            </a:prstTxWarp>
+            <a:spAutoFit/>
+          </a:bodyPr>
+          <a:lstStyle>
+            <a:lvl1pPr eaLnBrk="0" fontAlgn="base" hangingPunct="0">
+              <a:spcBef>
+                <a:spcPct val="0"/>
+              </a:spcBef>
+              <a:spcAft>
+                <a:spcPct val="0"/>
+              </a:spcAft>
+              <a:defRPr>
+                <a:solidFill>
+                  <a:schemeClr val="tx1"/>
+                </a:solidFill>
+                <a:latin typeface="Arial" panose="020B0604020202020204" pitchFamily="34" charset="0"/>
+              </a:defRPr>
+            </a:lvl1pPr>
+            <a:lvl2pPr eaLnBrk="0" fontAlgn="base" hangingPunct="0">
+              <a:spcBef>
+                <a:spcPct val="0"/>
+              </a:spcBef>
+              <a:spcAft>
+                <a:spcPct val="0"/>
+              </a:spcAft>
+              <a:defRPr>
+                <a:solidFill>
+                  <a:schemeClr val="tx1"/>
+                </a:solidFill>
+                <a:latin typeface="Arial" panose="020B0604020202020204" pitchFamily="34" charset="0"/>
+              </a:defRPr>
+            </a:lvl2pPr>
+            <a:lvl3pPr eaLnBrk="0" fontAlgn="base" hangingPunct="0">
+              <a:spcBef>
+                <a:spcPct val="0"/>
+              </a:spcBef>
+              <a:spcAft>
+                <a:spcPct val="0"/>
+              </a:spcAft>
+              <a:defRPr>
+                <a:solidFill>
+                  <a:schemeClr val="tx1"/>
+                </a:solidFill>
+                <a:latin typeface="Arial" panose="020B0604020202020204" pitchFamily="34" charset="0"/>
+              </a:defRPr>
+            </a:lvl3pPr>
+            <a:lvl4pPr eaLnBrk="0" fontAlgn="base" hangingPunct="0">
+              <a:spcBef>
+                <a:spcPct val="0"/>
+              </a:spcBef>
+              <a:spcAft>
+                <a:spcPct val="0"/>
+              </a:spcAft>
+              <a:defRPr>
+                <a:solidFill>
+                  <a:schemeClr val="tx1"/>
+                </a:solidFill>
+                <a:latin typeface="Arial" panose="020B0604020202020204" pitchFamily="34" charset="0"/>
+              </a:defRPr>
+            </a:lvl4pPr>
+            <a:lvl5pPr eaLnBrk="0" fontAlgn="base" hangingPunct="0">
+              <a:spcBef>
+                <a:spcPct val="0"/>
+              </a:spcBef>
+              <a:spcAft>
+                <a:spcPct val="0"/>
+              </a:spcAft>
+              <a:defRPr>
+                <a:solidFill>
+                  <a:schemeClr val="tx1"/>
+                </a:solidFill>
+                <a:latin typeface="Arial" panose="020B0604020202020204" pitchFamily="34" charset="0"/>
+              </a:defRPr>
+            </a:lvl5pPr>
+            <a:lvl6pPr eaLnBrk="0" fontAlgn="base" hangingPunct="0">
+              <a:spcBef>
+                <a:spcPct val="0"/>
+              </a:spcBef>
+              <a:spcAft>
+                <a:spcPct val="0"/>
+              </a:spcAft>
+              <a:defRPr>
+                <a:solidFill>
+                  <a:schemeClr val="tx1"/>
+                </a:solidFill>
+                <a:latin typeface="Arial" panose="020B0604020202020204" pitchFamily="34" charset="0"/>
+              </a:defRPr>
+            </a:lvl6pPr>
+            <a:lvl7pPr eaLnBrk="0" fontAlgn="base" hangingPunct="0">
+              <a:spcBef>
+                <a:spcPct val="0"/>
+              </a:spcBef>
+              <a:spcAft>
+                <a:spcPct val="0"/>
+              </a:spcAft>
+              <a:defRPr>
+                <a:solidFill>
+                  <a:schemeClr val="tx1"/>
+                </a:solidFill>
+                <a:latin typeface="Arial" panose="020B0604020202020204" pitchFamily="34" charset="0"/>
+              </a:defRPr>
+            </a:lvl7pPr>
+            <a:lvl8pPr eaLnBrk="0" fontAlgn="base" hangingPunct="0">
+              <a:spcBef>
+                <a:spcPct val="0"/>
+              </a:spcBef>
+              <a:spcAft>
+                <a:spcPct val="0"/>
+              </a:spcAft>
+              <a:defRPr>
+                <a:solidFill>
+                  <a:schemeClr val="tx1"/>
+                </a:solidFill>
+                <a:latin typeface="Arial" panose="020B0604020202020204" pitchFamily="34" charset="0"/>
+              </a:defRPr>
+            </a:lvl8pPr>
+            <a:lvl9pPr eaLnBrk="0" fontAlgn="base" hangingPunct="0">
+              <a:spcBef>
+                <a:spcPct val="0"/>
+              </a:spcBef>
+              <a:spcAft>
+                <a:spcPct val="0"/>
+              </a:spcAft>
+              <a:defRPr>
+                <a:solidFill>
+                  <a:schemeClr val="tx1"/>
+                </a:solidFill>
+                <a:latin typeface="Arial" panose="020B0604020202020204" pitchFamily="34" charset="0"/>
+              </a:defRPr>
+            </a:lvl9pPr>
+          </a:lstStyle>
+          <a:p>
+            <a:pPr marL="0" marR="0" lvl="0" indent="0" algn="l" defTabSz="914400" rtl="0" eaLnBrk="0" fontAlgn="base" latinLnBrk="0" hangingPunct="0">
+              <a:lnSpc>
+                <a:spcPct val="100000"/>
+              </a:lnSpc>
+              <a:spcBef>
+                <a:spcPct val="0"/>
+              </a:spcBef>
+              <a:spcAft>
+                <a:spcPct val="0"/>
+              </a:spcAft>
+              <a:buClrTx/>
+              <a:buSzTx/>
+              <a:buFontTx/>
+              <a:buNone/>
+              <a:tabLst/>
+            </a:pPr>
+            <a:r>
+              <a:rPr kumimoji="0" lang="zh-CN" altLang="zh-CN" sz="2800" b="0" i="0" u="none" strike="noStrike" cap="none" normalizeH="0" baseline="0" dirty="0" smtClean="0">
+                <a:ln>
+                  <a:noFill/>
+                </a:ln>
+                <a:solidFill>
+                  <a:srgbClr val="666666"/>
+                </a:solidFill>
+                <a:effectLst/>
+                <a:ea typeface="Helvetica Neue"/>
+              </a:rPr>
+              <a:t>现在，你的小伙伴要在</a:t>
+            </a:r>
+            <a:r>
+              <a:rPr kumimoji="0" lang="zh-CN" altLang="zh-CN" sz="2800" b="0" i="0" u="none" strike="noStrike" cap="none" normalizeH="0" baseline="0" dirty="0" smtClean="0">
+                <a:ln>
+                  <a:noFill/>
+                </a:ln>
+                <a:solidFill>
+                  <a:srgbClr val="DD0055"/>
+                </a:solidFill>
+                <a:effectLst/>
+                <a:latin typeface="Consolas" panose="020B0609020204030204" pitchFamily="49" charset="0"/>
+                <a:cs typeface="Consolas" panose="020B0609020204030204" pitchFamily="49" charset="0"/>
+              </a:rPr>
+              <a:t>dev</a:t>
+            </a:r>
+            <a:r>
+              <a:rPr kumimoji="0" lang="zh-CN" altLang="zh-CN" sz="2800" b="0" i="0" u="none" strike="noStrike" cap="none" normalizeH="0" baseline="0" dirty="0" smtClean="0">
+                <a:ln>
+                  <a:noFill/>
+                </a:ln>
+                <a:solidFill>
+                  <a:srgbClr val="666666"/>
+                </a:solidFill>
+                <a:effectLst/>
+                <a:ea typeface="Helvetica Neue"/>
+              </a:rPr>
+              <a:t>分支上开发，就必须创建远程</a:t>
+            </a:r>
+            <a:r>
+              <a:rPr kumimoji="0" lang="zh-CN" altLang="zh-CN" sz="2800" b="0" i="0" u="none" strike="noStrike" cap="none" normalizeH="0" baseline="0" dirty="0" smtClean="0">
+                <a:ln>
+                  <a:noFill/>
+                </a:ln>
+                <a:solidFill>
+                  <a:srgbClr val="DD0055"/>
+                </a:solidFill>
+                <a:effectLst/>
+                <a:latin typeface="Consolas" panose="020B0609020204030204" pitchFamily="49" charset="0"/>
+                <a:cs typeface="Consolas" panose="020B0609020204030204" pitchFamily="49" charset="0"/>
+              </a:rPr>
+              <a:t>origin</a:t>
+            </a:r>
+            <a:r>
+              <a:rPr kumimoji="0" lang="zh-CN" altLang="zh-CN" sz="2800" b="0" i="0" u="none" strike="noStrike" cap="none" normalizeH="0" baseline="0" dirty="0" smtClean="0">
+                <a:ln>
+                  <a:noFill/>
+                </a:ln>
+                <a:solidFill>
+                  <a:srgbClr val="666666"/>
+                </a:solidFill>
+                <a:effectLst/>
+                <a:ea typeface="Helvetica Neue"/>
+              </a:rPr>
+              <a:t>的</a:t>
+            </a:r>
+            <a:r>
+              <a:rPr kumimoji="0" lang="zh-CN" altLang="zh-CN" sz="2800" b="0" i="0" u="none" strike="noStrike" cap="none" normalizeH="0" baseline="0" dirty="0" smtClean="0">
+                <a:ln>
+                  <a:noFill/>
+                </a:ln>
+                <a:solidFill>
+                  <a:srgbClr val="DD0055"/>
+                </a:solidFill>
+                <a:effectLst/>
+                <a:latin typeface="Consolas" panose="020B0609020204030204" pitchFamily="49" charset="0"/>
+                <a:cs typeface="Consolas" panose="020B0609020204030204" pitchFamily="49" charset="0"/>
+              </a:rPr>
+              <a:t>dev</a:t>
+            </a:r>
+            <a:r>
+              <a:rPr kumimoji="0" lang="zh-CN" altLang="zh-CN" sz="2800" b="0" i="0" u="none" strike="noStrike" cap="none" normalizeH="0" baseline="0" dirty="0" smtClean="0">
+                <a:ln>
+                  <a:noFill/>
+                </a:ln>
+                <a:solidFill>
+                  <a:srgbClr val="666666"/>
+                </a:solidFill>
+                <a:effectLst/>
+                <a:ea typeface="Helvetica Neue"/>
+              </a:rPr>
+              <a:t>分支到本地，于是他用这个命令创建本地</a:t>
+            </a:r>
+            <a:r>
+              <a:rPr kumimoji="0" lang="zh-CN" altLang="zh-CN" sz="2800" b="0" i="0" u="none" strike="noStrike" cap="none" normalizeH="0" baseline="0" dirty="0" smtClean="0">
+                <a:ln>
+                  <a:noFill/>
+                </a:ln>
+                <a:solidFill>
+                  <a:srgbClr val="DD0055"/>
+                </a:solidFill>
+                <a:effectLst/>
+                <a:latin typeface="Consolas" panose="020B0609020204030204" pitchFamily="49" charset="0"/>
+                <a:cs typeface="Consolas" panose="020B0609020204030204" pitchFamily="49" charset="0"/>
+              </a:rPr>
+              <a:t>dev</a:t>
+            </a:r>
+            <a:r>
+              <a:rPr kumimoji="0" lang="zh-CN" altLang="zh-CN" sz="2800" b="0" i="0" u="none" strike="noStrike" cap="none" normalizeH="0" baseline="0" dirty="0" smtClean="0">
+                <a:ln>
+                  <a:noFill/>
+                </a:ln>
+                <a:solidFill>
+                  <a:srgbClr val="666666"/>
+                </a:solidFill>
+                <a:effectLst/>
+                <a:ea typeface="Helvetica Neue"/>
+              </a:rPr>
+              <a:t>分支</a:t>
+            </a:r>
+            <a:r>
+              <a:rPr kumimoji="0" lang="zh-CN" altLang="en-US" sz="2800" b="0" i="0" u="none" strike="noStrike" cap="none" normalizeH="0" baseline="0" dirty="0" smtClean="0">
+                <a:ln>
+                  <a:noFill/>
+                </a:ln>
+                <a:solidFill>
+                  <a:srgbClr val="666666"/>
+                </a:solidFill>
+                <a:effectLst/>
+                <a:ea typeface="Helvetica Neue"/>
+              </a:rPr>
+              <a:t>。</a:t>
+            </a:r>
+            <a:endParaRPr kumimoji="0" lang="zh-CN" altLang="zh-CN" sz="2800" b="0" i="0" u="none" strike="noStrike" cap="none" normalizeH="0" baseline="0" dirty="0" smtClean="0">
+              <a:ln>
+                <a:noFill/>
+              </a:ln>
+              <a:solidFill>
+                <a:schemeClr val="tx1"/>
+              </a:solidFill>
+              <a:effectLst/>
+            </a:endParaRPr>
+          </a:p>
+        </p:txBody>
+      </p:sp>
+    </p:spTree>
+    <p:extLst>
+      <p:ext uri="{BB962C8B-B14F-4D97-AF65-F5344CB8AC3E}">
+        <p14:creationId xmlns:p14="http://schemas.microsoft.com/office/powerpoint/2010/main" val="706043324"/>
+      </p:ext>
+    </p:extLst>
+  </p:cSld>
+  <p:clrMapOvr>
+    <a:masterClrMapping/>
+  </p:clrMapOvr>
+</p:sld>
+</file>
+
+<file path=ppt/slides/slide9.xml><?xml version="1.0" encoding="utf-8"?>
+<p:sld xmlns:a="http://schemas.openxmlformats.org/drawingml/2006/main" xmlns:r="http://schemas.openxmlformats.org/officeDocument/2006/relationships" xmlns:p="http://schemas.openxmlformats.org/presentationml/2006/main">
+  <p:cSld>
+    <p:spTree>
+      <p:nvGrpSpPr>
+        <p:cNvPr id="1" name=""/>
+        <p:cNvGrpSpPr/>
+        <p:nvPr/>
+      </p:nvGrpSpPr>
+      <p:grpSpPr>
+        <a:xfrm>
+          <a:off x="0" y="0"/>
+          <a:ext cx="0" cy="0"/>
+          <a:chOff x="0" y="0"/>
+          <a:chExt cx="0" cy="0"/>
+        </a:xfrm>
+      </p:grpSpPr>
+      <p:sp>
+        <p:nvSpPr>
+          <p:cNvPr id="4" name="Rectangle 1"/>
+          <p:cNvSpPr>
+            <a:spLocks noGrp="1" noChangeArrowheads="1"/>
+          </p:cNvSpPr>
+          <p:nvPr>
+            <p:ph type="ctrTitle"/>
+          </p:nvPr>
+        </p:nvSpPr>
+        <p:spPr bwMode="auto">
+          <a:xfrm>
+            <a:off x="605457" y="409198"/>
+            <a:ext cx="11214009" cy="6455529"/>
+          </a:xfrm>
+          <a:prstGeom prst="rect">
+            <a:avLst/>
+          </a:prstGeom>
+          <a:solidFill>
+            <a:srgbClr val="FAFAFA"/>
+          </a:solidFill>
+          <a:ln>
+            <a:noFill/>
+          </a:ln>
+          <a:effectLst/>
+          <a:extLst>
+            <a:ext uri="{91240B29-F687-4F45-9708-019B960494DF}">
+              <a14:hiddenLine xmlns:a14="http://schemas.microsoft.com/office/drawing/2010/main" w="9525">
+                <a:solidFill>
+                  <a:schemeClr val="tx1"/>
+                </a:solidFill>
+                <a:miter lim="800000"/>
+                <a:headEnd/>
+                <a:tailEnd/>
+              </a14:hiddenLine>
+            </a:ext>
+            <a:ext uri="{AF507438-7753-43E0-B8FC-AC1667EBCBE1}">
+              <a14:hiddenEffects xmlns:a14="http://schemas.microsoft.com/office/drawing/2010/main">
+                <a:effectLst>
+                  <a:outerShdw dist="35921" dir="2700000" algn="ctr" rotWithShape="0">
+                    <a:schemeClr val="bg2"/>
+                  </a:outerShdw>
+                </a:effectLst>
+              </a14:hiddenEffects>
+            </a:ext>
+          </a:extLst>
+        </p:spPr>
+        <p:txBody>
+          <a:bodyPr vert="horz" wrap="square" lIns="0" tIns="133308" rIns="0" bIns="133308" numCol="1" anchor="ctr" anchorCtr="0" compatLnSpc="1">
+            <a:prstTxWarp prst="textNoShape">
+              <a:avLst/>
+            </a:prstTxWarp>
+            <a:spAutoFit/>
+          </a:bodyPr>
+          <a:lstStyle/>
+          <a:p>
+            <a:pPr marL="0" marR="0" lvl="0" indent="0" algn="l" defTabSz="914400" rtl="0" eaLnBrk="0" fontAlgn="base" latinLnBrk="0" hangingPunct="0">
+              <a:lnSpc>
+                <a:spcPct val="100000"/>
+              </a:lnSpc>
+              <a:spcBef>
+                <a:spcPct val="0"/>
+              </a:spcBef>
+              <a:spcAft>
+                <a:spcPct val="0"/>
+              </a:spcAft>
+              <a:buClrTx/>
+              <a:buSzTx/>
+              <a:buFontTx/>
+              <a:buNone/>
+              <a:tabLst/>
+            </a:pPr>
+            <a:r>
+              <a:rPr kumimoji="0" lang="zh-CN" altLang="zh-CN" sz="3200" b="0" i="0" u="none" strike="noStrike" cap="none" normalizeH="0" baseline="0" dirty="0" smtClean="0">
+                <a:ln>
+                  <a:noFill/>
+                </a:ln>
+                <a:solidFill>
+                  <a:srgbClr val="444444"/>
+                </a:solidFill>
+                <a:effectLst/>
+                <a:latin typeface="Arial" panose="020B0604020202020204" pitchFamily="34" charset="0"/>
+                <a:ea typeface="Helvetica Neue"/>
+              </a:rPr>
+              <a:t>小结</a:t>
+            </a:r>
+          </a:p>
+          <a:p>
+            <a:pPr marL="0" marR="0" lvl="0" indent="0" algn="l" defTabSz="914400" rtl="0" eaLnBrk="0" fontAlgn="base" latinLnBrk="0" hangingPunct="0">
+              <a:lnSpc>
+                <a:spcPct val="100000"/>
+              </a:lnSpc>
+              <a:spcBef>
+                <a:spcPct val="0"/>
+              </a:spcBef>
+              <a:spcAft>
+                <a:spcPct val="0"/>
+              </a:spcAft>
+              <a:buClrTx/>
+              <a:buSzTx/>
+              <a:buFontTx/>
+              <a:buChar char="•"/>
+              <a:tabLst/>
+            </a:pPr>
+            <a:r>
+              <a:rPr kumimoji="0" lang="zh-CN" altLang="zh-CN" sz="3200" b="0" i="0" u="none" strike="noStrike" cap="none" normalizeH="0" baseline="0" dirty="0" smtClean="0">
+                <a:ln>
+                  <a:noFill/>
+                </a:ln>
+                <a:solidFill>
+                  <a:srgbClr val="666666"/>
+                </a:solidFill>
+                <a:effectLst/>
+                <a:latin typeface="Arial" panose="020B0604020202020204" pitchFamily="34" charset="0"/>
+                <a:ea typeface="Helvetica Neue"/>
+              </a:rPr>
+              <a:t>查看远程库信息，使用</a:t>
+            </a:r>
+            <a:r>
+              <a:rPr kumimoji="0" lang="zh-CN" altLang="zh-CN" sz="3200" b="0" i="0" u="none" strike="noStrike" cap="none" normalizeH="0" baseline="0" dirty="0" smtClean="0">
+                <a:ln>
+                  <a:noFill/>
+                </a:ln>
+                <a:solidFill>
+                  <a:srgbClr val="DD0055"/>
+                </a:solidFill>
+                <a:effectLst/>
+                <a:latin typeface="Consolas" panose="020B0609020204030204" pitchFamily="49" charset="0"/>
+                <a:ea typeface="Helvetica Neue"/>
+                <a:cs typeface="Consolas" panose="020B0609020204030204" pitchFamily="49" charset="0"/>
+              </a:rPr>
+              <a:t>git remote -v</a:t>
+            </a:r>
+            <a:r>
+              <a:rPr kumimoji="0" lang="zh-CN" altLang="zh-CN" sz="3200" b="0" i="0" u="none" strike="noStrike" cap="none" normalizeH="0" baseline="0" dirty="0" smtClean="0">
+                <a:ln>
+                  <a:noFill/>
+                </a:ln>
+                <a:solidFill>
+                  <a:srgbClr val="666666"/>
+                </a:solidFill>
+                <a:effectLst/>
+                <a:ea typeface="Helvetica Neue"/>
+              </a:rPr>
+              <a:t>；</a:t>
+            </a:r>
+            <a:endParaRPr kumimoji="0" lang="zh-CN" altLang="zh-CN" sz="3200" b="0" i="0" u="none" strike="noStrike" cap="none" normalizeH="0" baseline="0" dirty="0" smtClean="0">
+              <a:ln>
+                <a:noFill/>
+              </a:ln>
+              <a:solidFill>
+                <a:srgbClr val="666666"/>
+              </a:solidFill>
+              <a:effectLst/>
+              <a:latin typeface="Arial" panose="020B0604020202020204" pitchFamily="34" charset="0"/>
+              <a:ea typeface="Helvetica Neue"/>
+            </a:endParaRPr>
+          </a:p>
+          <a:p>
+            <a:pPr marL="0" marR="0" lvl="0" indent="0" algn="l" defTabSz="914400" rtl="0" eaLnBrk="0" fontAlgn="base" latinLnBrk="0" hangingPunct="0">
+              <a:lnSpc>
+                <a:spcPct val="100000"/>
+              </a:lnSpc>
+              <a:spcBef>
+                <a:spcPct val="0"/>
+              </a:spcBef>
+              <a:spcAft>
+                <a:spcPct val="0"/>
+              </a:spcAft>
+              <a:buClrTx/>
+              <a:buSzTx/>
+              <a:buFontTx/>
+              <a:buChar char="•"/>
+              <a:tabLst/>
+            </a:pPr>
+            <a:r>
+              <a:rPr kumimoji="0" lang="zh-CN" altLang="zh-CN" sz="3200" b="0" i="0" u="none" strike="noStrike" cap="none" normalizeH="0" baseline="0" dirty="0" smtClean="0">
+                <a:ln>
+                  <a:noFill/>
+                </a:ln>
+                <a:solidFill>
+                  <a:srgbClr val="666666"/>
+                </a:solidFill>
+                <a:effectLst/>
+                <a:latin typeface="Arial" panose="020B0604020202020204" pitchFamily="34" charset="0"/>
+                <a:ea typeface="Helvetica Neue"/>
+              </a:rPr>
+              <a:t>本地新建的分支如果不推送到远程，对其他人就是不可见的；</a:t>
+            </a:r>
+          </a:p>
+          <a:p>
+            <a:pPr marL="0" marR="0" lvl="0" indent="0" algn="l" defTabSz="914400" rtl="0" eaLnBrk="0" fontAlgn="base" latinLnBrk="0" hangingPunct="0">
+              <a:lnSpc>
+                <a:spcPct val="100000"/>
+              </a:lnSpc>
+              <a:spcBef>
+                <a:spcPct val="0"/>
+              </a:spcBef>
+              <a:spcAft>
+                <a:spcPct val="0"/>
+              </a:spcAft>
+              <a:buClrTx/>
+              <a:buSzTx/>
+              <a:buFontTx/>
+              <a:buChar char="•"/>
+              <a:tabLst/>
+            </a:pPr>
+            <a:r>
+              <a:rPr kumimoji="0" lang="zh-CN" altLang="zh-CN" sz="3200" b="0" i="0" u="none" strike="noStrike" cap="none" normalizeH="0" baseline="0" dirty="0" smtClean="0">
+                <a:ln>
+                  <a:noFill/>
+                </a:ln>
+                <a:solidFill>
+                  <a:srgbClr val="666666"/>
+                </a:solidFill>
+                <a:effectLst/>
+                <a:latin typeface="Arial" panose="020B0604020202020204" pitchFamily="34" charset="0"/>
+                <a:ea typeface="Helvetica Neue"/>
+              </a:rPr>
+              <a:t>从本地推送分支，使用</a:t>
+            </a:r>
+            <a:r>
+              <a:rPr kumimoji="0" lang="zh-CN" altLang="zh-CN" sz="3200" b="0" i="0" u="none" strike="noStrike" cap="none" normalizeH="0" baseline="0" dirty="0" smtClean="0">
+                <a:ln>
+                  <a:noFill/>
+                </a:ln>
+                <a:solidFill>
+                  <a:srgbClr val="DD0055"/>
+                </a:solidFill>
+                <a:effectLst/>
+                <a:latin typeface="Consolas" panose="020B0609020204030204" pitchFamily="49" charset="0"/>
+                <a:ea typeface="Helvetica Neue"/>
+                <a:cs typeface="Consolas" panose="020B0609020204030204" pitchFamily="49" charset="0"/>
+              </a:rPr>
+              <a:t>git push origin branch-name</a:t>
+            </a:r>
+            <a:r>
+              <a:rPr kumimoji="0" lang="zh-CN" altLang="zh-CN" sz="3200" b="0" i="0" u="none" strike="noStrike" cap="none" normalizeH="0" baseline="0" dirty="0" smtClean="0">
+                <a:ln>
+                  <a:noFill/>
+                </a:ln>
+                <a:solidFill>
+                  <a:srgbClr val="666666"/>
+                </a:solidFill>
+                <a:effectLst/>
+                <a:ea typeface="Helvetica Neue"/>
+              </a:rPr>
+              <a:t>，如果推送失败，先用</a:t>
+            </a:r>
+            <a:r>
+              <a:rPr kumimoji="0" lang="zh-CN" altLang="zh-CN" sz="3200" b="0" i="0" u="none" strike="noStrike" cap="none" normalizeH="0" baseline="0" dirty="0" smtClean="0">
+                <a:ln>
+                  <a:noFill/>
+                </a:ln>
+                <a:solidFill>
+                  <a:srgbClr val="DD0055"/>
+                </a:solidFill>
+                <a:effectLst/>
+                <a:latin typeface="Consolas" panose="020B0609020204030204" pitchFamily="49" charset="0"/>
+                <a:ea typeface="Helvetica Neue"/>
+                <a:cs typeface="Consolas" panose="020B0609020204030204" pitchFamily="49" charset="0"/>
+              </a:rPr>
+              <a:t>git pull</a:t>
+            </a:r>
+            <a:r>
+              <a:rPr kumimoji="0" lang="zh-CN" altLang="zh-CN" sz="3200" b="0" i="0" u="none" strike="noStrike" cap="none" normalizeH="0" baseline="0" dirty="0" smtClean="0">
+                <a:ln>
+                  <a:noFill/>
+                </a:ln>
+                <a:solidFill>
+                  <a:srgbClr val="666666"/>
+                </a:solidFill>
+                <a:effectLst/>
+                <a:ea typeface="Helvetica Neue"/>
+              </a:rPr>
+              <a:t>抓取远程的新提交；</a:t>
+            </a:r>
+            <a:endParaRPr kumimoji="0" lang="zh-CN" altLang="zh-CN" sz="3200" b="0" i="0" u="none" strike="noStrike" cap="none" normalizeH="0" baseline="0" dirty="0" smtClean="0">
+              <a:ln>
+                <a:noFill/>
+              </a:ln>
+              <a:solidFill>
+                <a:srgbClr val="666666"/>
+              </a:solidFill>
+              <a:effectLst/>
+              <a:latin typeface="Arial" panose="020B0604020202020204" pitchFamily="34" charset="0"/>
+              <a:ea typeface="Helvetica Neue"/>
+            </a:endParaRPr>
+          </a:p>
+          <a:p>
+            <a:pPr marL="0" marR="0" lvl="0" indent="0" algn="l" defTabSz="914400" rtl="0" eaLnBrk="0" fontAlgn="base" latinLnBrk="0" hangingPunct="0">
+              <a:lnSpc>
+                <a:spcPct val="100000"/>
+              </a:lnSpc>
+              <a:spcBef>
+                <a:spcPct val="0"/>
+              </a:spcBef>
+              <a:spcAft>
+                <a:spcPct val="0"/>
+              </a:spcAft>
+              <a:buClrTx/>
+              <a:buSzTx/>
+              <a:buFontTx/>
+              <a:buChar char="•"/>
+              <a:tabLst/>
+            </a:pPr>
+            <a:r>
+              <a:rPr kumimoji="0" lang="zh-CN" altLang="zh-CN" sz="3200" b="0" i="0" u="none" strike="noStrike" cap="none" normalizeH="0" baseline="0" dirty="0" smtClean="0">
+                <a:ln>
+                  <a:noFill/>
+                </a:ln>
+                <a:solidFill>
+                  <a:srgbClr val="666666"/>
+                </a:solidFill>
+                <a:effectLst/>
+                <a:latin typeface="Arial" panose="020B0604020202020204" pitchFamily="34" charset="0"/>
+                <a:ea typeface="Helvetica Neue"/>
+              </a:rPr>
+              <a:t>在本地创建和远程分支对应的分支，使用</a:t>
+            </a:r>
+            <a:r>
+              <a:rPr kumimoji="0" lang="zh-CN" altLang="zh-CN" sz="3200" b="0" i="0" u="none" strike="noStrike" cap="none" normalizeH="0" baseline="0" dirty="0" smtClean="0">
+                <a:ln>
+                  <a:noFill/>
+                </a:ln>
+                <a:solidFill>
+                  <a:srgbClr val="DD0055"/>
+                </a:solidFill>
+                <a:effectLst/>
+                <a:latin typeface="Consolas" panose="020B0609020204030204" pitchFamily="49" charset="0"/>
+                <a:ea typeface="Helvetica Neue"/>
+                <a:cs typeface="Consolas" panose="020B0609020204030204" pitchFamily="49" charset="0"/>
+              </a:rPr>
+              <a:t>git checkout -b branch-name origin/branch-name</a:t>
+            </a:r>
+            <a:r>
+              <a:rPr kumimoji="0" lang="zh-CN" altLang="zh-CN" sz="3200" b="0" i="0" u="none" strike="noStrike" cap="none" normalizeH="0" baseline="0" dirty="0" smtClean="0">
+                <a:ln>
+                  <a:noFill/>
+                </a:ln>
+                <a:solidFill>
+                  <a:srgbClr val="666666"/>
+                </a:solidFill>
+                <a:effectLst/>
+                <a:ea typeface="Helvetica Neue"/>
+              </a:rPr>
+              <a:t>，本地和远程分支的名称最好一致；</a:t>
+            </a:r>
+            <a:endParaRPr kumimoji="0" lang="zh-CN" altLang="zh-CN" sz="3200" b="0" i="0" u="none" strike="noStrike" cap="none" normalizeH="0" baseline="0" dirty="0" smtClean="0">
+              <a:ln>
+                <a:noFill/>
+              </a:ln>
+              <a:solidFill>
+                <a:srgbClr val="666666"/>
+              </a:solidFill>
+              <a:effectLst/>
+              <a:latin typeface="Arial" panose="020B0604020202020204" pitchFamily="34" charset="0"/>
+              <a:ea typeface="Helvetica Neue"/>
+            </a:endParaRPr>
+          </a:p>
+          <a:p>
+            <a:pPr marL="0" marR="0" lvl="0" indent="0" algn="l" defTabSz="914400" rtl="0" eaLnBrk="0" fontAlgn="base" latinLnBrk="0" hangingPunct="0">
+              <a:lnSpc>
+                <a:spcPct val="100000"/>
+              </a:lnSpc>
+              <a:spcBef>
+                <a:spcPct val="0"/>
+              </a:spcBef>
+              <a:spcAft>
+                <a:spcPct val="0"/>
+              </a:spcAft>
+              <a:buClrTx/>
+              <a:buSzTx/>
+              <a:buFontTx/>
+              <a:buChar char="•"/>
+              <a:tabLst/>
+            </a:pPr>
+            <a:r>
+              <a:rPr kumimoji="0" lang="zh-CN" altLang="zh-CN" sz="3200" b="0" i="0" u="none" strike="noStrike" cap="none" normalizeH="0" baseline="0" dirty="0" smtClean="0">
+                <a:ln>
+                  <a:noFill/>
+                </a:ln>
+                <a:solidFill>
+                  <a:srgbClr val="666666"/>
+                </a:solidFill>
+                <a:effectLst/>
+                <a:latin typeface="Arial" panose="020B0604020202020204" pitchFamily="34" charset="0"/>
+                <a:ea typeface="Helvetica Neue"/>
+              </a:rPr>
+              <a:t>建立本地分支和远程分支的关联，使用</a:t>
+            </a:r>
+            <a:r>
+              <a:rPr kumimoji="0" lang="zh-CN" altLang="zh-CN" sz="3200" b="0" i="0" u="none" strike="noStrike" cap="none" normalizeH="0" baseline="0" dirty="0" smtClean="0">
+                <a:ln>
+                  <a:noFill/>
+                </a:ln>
+                <a:solidFill>
+                  <a:srgbClr val="DD0055"/>
+                </a:solidFill>
+                <a:effectLst/>
+                <a:latin typeface="Consolas" panose="020B0609020204030204" pitchFamily="49" charset="0"/>
+                <a:ea typeface="Helvetica Neue"/>
+                <a:cs typeface="Consolas" panose="020B0609020204030204" pitchFamily="49" charset="0"/>
+              </a:rPr>
+              <a:t>git branch --set-upstream branch-name origin/branch-name</a:t>
+            </a:r>
+            <a:r>
+              <a:rPr kumimoji="0" lang="zh-CN" altLang="zh-CN" sz="3200" b="0" i="0" u="none" strike="noStrike" cap="none" normalizeH="0" baseline="0" dirty="0" smtClean="0">
+                <a:ln>
+                  <a:noFill/>
+                </a:ln>
+                <a:solidFill>
+                  <a:srgbClr val="666666"/>
+                </a:solidFill>
+                <a:effectLst/>
+                <a:ea typeface="Helvetica Neue"/>
+              </a:rPr>
+              <a:t>；</a:t>
+            </a:r>
+            <a:endParaRPr kumimoji="0" lang="zh-CN" altLang="zh-CN" sz="3200" b="0" i="0" u="none" strike="noStrike" cap="none" normalizeH="0" baseline="0" dirty="0" smtClean="0">
+              <a:ln>
+                <a:noFill/>
+              </a:ln>
+              <a:solidFill>
+                <a:srgbClr val="666666"/>
+              </a:solidFill>
+              <a:effectLst/>
+              <a:latin typeface="Arial" panose="020B0604020202020204" pitchFamily="34" charset="0"/>
+              <a:ea typeface="Helvetica Neue"/>
+            </a:endParaRPr>
+          </a:p>
+          <a:p>
+            <a:pPr marL="0" marR="0" lvl="0" indent="0" algn="l" defTabSz="914400" rtl="0" eaLnBrk="0" fontAlgn="base" latinLnBrk="0" hangingPunct="0">
+              <a:lnSpc>
+                <a:spcPct val="100000"/>
+              </a:lnSpc>
+              <a:spcBef>
+                <a:spcPct val="0"/>
+              </a:spcBef>
+              <a:spcAft>
+                <a:spcPct val="0"/>
+              </a:spcAft>
+              <a:buClrTx/>
+              <a:buSzTx/>
+              <a:buFontTx/>
+              <a:buChar char="•"/>
+              <a:tabLst/>
+            </a:pPr>
+            <a:r>
+              <a:rPr kumimoji="0" lang="zh-CN" altLang="zh-CN" sz="3200" b="0" i="0" u="none" strike="noStrike" cap="none" normalizeH="0" baseline="0" dirty="0" smtClean="0">
+                <a:ln>
+                  <a:noFill/>
+                </a:ln>
+                <a:solidFill>
+                  <a:srgbClr val="666666"/>
+                </a:solidFill>
+                <a:effectLst/>
+                <a:latin typeface="Arial" panose="020B0604020202020204" pitchFamily="34" charset="0"/>
+                <a:ea typeface="Helvetica Neue"/>
+              </a:rPr>
+              <a:t>从远程抓取分支，使用</a:t>
+            </a:r>
+            <a:r>
+              <a:rPr kumimoji="0" lang="zh-CN" altLang="zh-CN" sz="3200" b="0" i="0" u="none" strike="noStrike" cap="none" normalizeH="0" baseline="0" dirty="0" smtClean="0">
+                <a:ln>
+                  <a:noFill/>
+                </a:ln>
+                <a:solidFill>
+                  <a:srgbClr val="DD0055"/>
+                </a:solidFill>
+                <a:effectLst/>
+                <a:latin typeface="Consolas" panose="020B0609020204030204" pitchFamily="49" charset="0"/>
+                <a:ea typeface="Helvetica Neue"/>
+                <a:cs typeface="Consolas" panose="020B0609020204030204" pitchFamily="49" charset="0"/>
+              </a:rPr>
+              <a:t>git pull</a:t>
+            </a:r>
+            <a:r>
+              <a:rPr kumimoji="0" lang="zh-CN" altLang="zh-CN" sz="3200" b="0" i="0" u="none" strike="noStrike" cap="none" normalizeH="0" baseline="0" dirty="0" smtClean="0">
+                <a:ln>
+                  <a:noFill/>
+                </a:ln>
+                <a:solidFill>
+                  <a:srgbClr val="666666"/>
+                </a:solidFill>
+                <a:effectLst/>
+                <a:ea typeface="Helvetica Neue"/>
+              </a:rPr>
+              <a:t>，如果有冲突，要先处理冲突。</a:t>
+            </a:r>
+            <a:endParaRPr kumimoji="0" lang="zh-CN" altLang="zh-CN" sz="3200" b="0" i="0" u="none" strike="noStrike" cap="none" normalizeH="0" baseline="0" dirty="0" smtClean="0">
+              <a:ln>
+                <a:noFill/>
+              </a:ln>
+              <a:solidFill>
+                <a:srgbClr val="666666"/>
+              </a:solidFill>
+              <a:effectLst/>
+              <a:latin typeface="Arial" panose="020B0604020202020204" pitchFamily="34" charset="0"/>
+              <a:ea typeface="Helvetica Neue"/>
+            </a:endParaRPr>
+          </a:p>
+          <a:p>
+            <a:pPr marL="0" marR="0" lvl="0" indent="0" algn="l" defTabSz="914400" rtl="0" eaLnBrk="0" fontAlgn="base" latinLnBrk="0" hangingPunct="0">
+              <a:lnSpc>
+                <a:spcPct val="100000"/>
+              </a:lnSpc>
+              <a:spcBef>
+                <a:spcPct val="0"/>
+              </a:spcBef>
+              <a:spcAft>
+                <a:spcPct val="0"/>
+              </a:spcAft>
+              <a:buClrTx/>
+              <a:buSzTx/>
+              <a:buFontTx/>
+              <a:buNone/>
+              <a:tabLst/>
+            </a:pPr>
+            <a:endParaRPr kumimoji="0" lang="zh-CN" altLang="zh-CN" sz="1800" b="0" i="0" u="none" strike="noStrike" cap="none" normalizeH="0" baseline="0" dirty="0" smtClean="0">
+              <a:ln>
+                <a:noFill/>
+              </a:ln>
+              <a:solidFill>
+                <a:schemeClr val="tx1"/>
+              </a:solidFill>
+              <a:effectLst/>
+              <a:latin typeface="Arial" panose="020B0604020202020204" pitchFamily="34" charset="0"/>
+            </a:endParaRPr>
+          </a:p>
+        </p:txBody>
+      </p:sp>
     </p:spTree>
     <p:extLst>
       <p:ext uri="{BB962C8B-B14F-4D97-AF65-F5344CB8AC3E}">
